--- a/Material/Aula 5 (23-08-2016).pptx
+++ b/Material/Aula 5 (23-08-2016).pptx
@@ -11,18 +11,19 @@
     <p:sldId id="260" r:id="rId5"/>
     <p:sldId id="261" r:id="rId6"/>
     <p:sldId id="262" r:id="rId7"/>
-    <p:sldId id="259" r:id="rId8"/>
-    <p:sldId id="263" r:id="rId9"/>
-    <p:sldId id="264" r:id="rId10"/>
-    <p:sldId id="265" r:id="rId11"/>
-    <p:sldId id="266" r:id="rId12"/>
-    <p:sldId id="267" r:id="rId13"/>
-    <p:sldId id="268" r:id="rId14"/>
-    <p:sldId id="269" r:id="rId15"/>
-    <p:sldId id="270" r:id="rId16"/>
-    <p:sldId id="271" r:id="rId17"/>
-    <p:sldId id="272" r:id="rId18"/>
-    <p:sldId id="273" r:id="rId19"/>
+    <p:sldId id="274" r:id="rId8"/>
+    <p:sldId id="259" r:id="rId9"/>
+    <p:sldId id="263" r:id="rId10"/>
+    <p:sldId id="264" r:id="rId11"/>
+    <p:sldId id="265" r:id="rId12"/>
+    <p:sldId id="266" r:id="rId13"/>
+    <p:sldId id="267" r:id="rId14"/>
+    <p:sldId id="268" r:id="rId15"/>
+    <p:sldId id="269" r:id="rId16"/>
+    <p:sldId id="270" r:id="rId17"/>
+    <p:sldId id="271" r:id="rId18"/>
+    <p:sldId id="272" r:id="rId19"/>
+    <p:sldId id="273" r:id="rId20"/>
   </p:sldIdLst>
   <p:sldSz cx="12192000" cy="6858000"/>
   <p:notesSz cx="6858000" cy="9144000"/>
@@ -121,6 +122,11 @@
       </a:defRPr>
     </a:lvl9pPr>
   </p:defaultTextStyle>
+  <p:extLst>
+    <p:ext uri="{EFAFB233-063F-42B5-8137-9DF3F51BA10A}">
+      <p15:sldGuideLst xmlns:p15="http://schemas.microsoft.com/office/powerpoint/2012/main"/>
+    </p:ext>
+  </p:extLst>
 </p:presentation>
 </file>
 
@@ -166,10 +172,9 @@
           </a:lstStyle>
           <a:p>
             <a:r>
-              <a:rPr lang="pt-BR" smtClean="0"/>
+              <a:rPr lang="pt-BR"/>
               <a:t>Clique para editar o título mestre</a:t>
             </a:r>
-            <a:endParaRPr lang="pt-BR"/>
           </a:p>
         </p:txBody>
       </p:sp>
@@ -231,10 +236,9 @@
           </a:lstStyle>
           <a:p>
             <a:r>
-              <a:rPr lang="pt-BR" smtClean="0"/>
+              <a:rPr lang="pt-BR"/>
               <a:t>Clique para editar o estilo do subtítulo mestre</a:t>
             </a:r>
-            <a:endParaRPr lang="pt-BR"/>
           </a:p>
         </p:txBody>
       </p:sp>
@@ -349,10 +353,9 @@
           <a:lstStyle/>
           <a:p>
             <a:r>
-              <a:rPr lang="pt-BR" smtClean="0"/>
+              <a:rPr lang="pt-BR"/>
               <a:t>Clique para editar o título mestre</a:t>
             </a:r>
-            <a:endParaRPr lang="pt-BR"/>
           </a:p>
         </p:txBody>
       </p:sp>
@@ -373,38 +376,37 @@
           <a:p>
             <a:pPr lvl="0"/>
             <a:r>
-              <a:rPr lang="pt-BR" smtClean="0"/>
+              <a:rPr lang="pt-BR"/>
               <a:t>Clique para editar o texto mestre</a:t>
             </a:r>
           </a:p>
           <a:p>
             <a:pPr lvl="1"/>
             <a:r>
-              <a:rPr lang="pt-BR" smtClean="0"/>
+              <a:rPr lang="pt-BR"/>
               <a:t>Segundo nível</a:t>
             </a:r>
           </a:p>
           <a:p>
             <a:pPr lvl="2"/>
             <a:r>
-              <a:rPr lang="pt-BR" smtClean="0"/>
+              <a:rPr lang="pt-BR"/>
               <a:t>Terceiro nível</a:t>
             </a:r>
           </a:p>
           <a:p>
             <a:pPr lvl="3"/>
             <a:r>
-              <a:rPr lang="pt-BR" smtClean="0"/>
+              <a:rPr lang="pt-BR"/>
               <a:t>Quarto nível</a:t>
             </a:r>
           </a:p>
           <a:p>
             <a:pPr lvl="4"/>
             <a:r>
-              <a:rPr lang="pt-BR" smtClean="0"/>
+              <a:rPr lang="pt-BR"/>
               <a:t>Quinto nível</a:t>
             </a:r>
-            <a:endParaRPr lang="pt-BR"/>
           </a:p>
         </p:txBody>
       </p:sp>
@@ -524,10 +526,9 @@
           <a:lstStyle/>
           <a:p>
             <a:r>
-              <a:rPr lang="pt-BR" smtClean="0"/>
+              <a:rPr lang="pt-BR"/>
               <a:t>Clique para editar o título mestre</a:t>
             </a:r>
-            <a:endParaRPr lang="pt-BR"/>
           </a:p>
         </p:txBody>
       </p:sp>
@@ -553,38 +554,37 @@
           <a:p>
             <a:pPr lvl="0"/>
             <a:r>
-              <a:rPr lang="pt-BR" smtClean="0"/>
+              <a:rPr lang="pt-BR"/>
               <a:t>Clique para editar o texto mestre</a:t>
             </a:r>
           </a:p>
           <a:p>
             <a:pPr lvl="1"/>
             <a:r>
-              <a:rPr lang="pt-BR" smtClean="0"/>
+              <a:rPr lang="pt-BR"/>
               <a:t>Segundo nível</a:t>
             </a:r>
           </a:p>
           <a:p>
             <a:pPr lvl="2"/>
             <a:r>
-              <a:rPr lang="pt-BR" smtClean="0"/>
+              <a:rPr lang="pt-BR"/>
               <a:t>Terceiro nível</a:t>
             </a:r>
           </a:p>
           <a:p>
             <a:pPr lvl="3"/>
             <a:r>
-              <a:rPr lang="pt-BR" smtClean="0"/>
+              <a:rPr lang="pt-BR"/>
               <a:t>Quarto nível</a:t>
             </a:r>
           </a:p>
           <a:p>
             <a:pPr lvl="4"/>
             <a:r>
-              <a:rPr lang="pt-BR" smtClean="0"/>
+              <a:rPr lang="pt-BR"/>
               <a:t>Quinto nível</a:t>
             </a:r>
-            <a:endParaRPr lang="pt-BR"/>
           </a:p>
         </p:txBody>
       </p:sp>
@@ -699,10 +699,9 @@
           <a:lstStyle/>
           <a:p>
             <a:r>
-              <a:rPr lang="pt-BR" smtClean="0"/>
+              <a:rPr lang="pt-BR"/>
               <a:t>Clique para editar o título mestre</a:t>
             </a:r>
-            <a:endParaRPr lang="pt-BR"/>
           </a:p>
         </p:txBody>
       </p:sp>
@@ -723,38 +722,37 @@
           <a:p>
             <a:pPr lvl="0"/>
             <a:r>
-              <a:rPr lang="pt-BR" smtClean="0"/>
+              <a:rPr lang="pt-BR"/>
               <a:t>Clique para editar o texto mestre</a:t>
             </a:r>
           </a:p>
           <a:p>
             <a:pPr lvl="1"/>
             <a:r>
-              <a:rPr lang="pt-BR" smtClean="0"/>
+              <a:rPr lang="pt-BR"/>
               <a:t>Segundo nível</a:t>
             </a:r>
           </a:p>
           <a:p>
             <a:pPr lvl="2"/>
             <a:r>
-              <a:rPr lang="pt-BR" smtClean="0"/>
+              <a:rPr lang="pt-BR"/>
               <a:t>Terceiro nível</a:t>
             </a:r>
           </a:p>
           <a:p>
             <a:pPr lvl="3"/>
             <a:r>
-              <a:rPr lang="pt-BR" smtClean="0"/>
+              <a:rPr lang="pt-BR"/>
               <a:t>Quarto nível</a:t>
             </a:r>
           </a:p>
           <a:p>
             <a:pPr lvl="4"/>
             <a:r>
-              <a:rPr lang="pt-BR" smtClean="0"/>
+              <a:rPr lang="pt-BR"/>
               <a:t>Quinto nível</a:t>
             </a:r>
-            <a:endParaRPr lang="pt-BR"/>
           </a:p>
         </p:txBody>
       </p:sp>
@@ -878,10 +876,9 @@
           </a:lstStyle>
           <a:p>
             <a:r>
-              <a:rPr lang="pt-BR" smtClean="0"/>
+              <a:rPr lang="pt-BR"/>
               <a:t>Clique para editar o título mestre</a:t>
             </a:r>
-            <a:endParaRPr lang="pt-BR"/>
           </a:p>
         </p:txBody>
       </p:sp>
@@ -998,7 +995,7 @@
           <a:p>
             <a:pPr lvl="0"/>
             <a:r>
-              <a:rPr lang="pt-BR" smtClean="0"/>
+              <a:rPr lang="pt-BR"/>
               <a:t>Clique para editar o texto mestre</a:t>
             </a:r>
           </a:p>
@@ -1115,10 +1112,9 @@
           <a:lstStyle/>
           <a:p>
             <a:r>
-              <a:rPr lang="pt-BR" smtClean="0"/>
+              <a:rPr lang="pt-BR"/>
               <a:t>Clique para editar o título mestre</a:t>
             </a:r>
-            <a:endParaRPr lang="pt-BR"/>
           </a:p>
         </p:txBody>
       </p:sp>
@@ -1144,38 +1140,37 @@
           <a:p>
             <a:pPr lvl="0"/>
             <a:r>
-              <a:rPr lang="pt-BR" smtClean="0"/>
+              <a:rPr lang="pt-BR"/>
               <a:t>Clique para editar o texto mestre</a:t>
             </a:r>
           </a:p>
           <a:p>
             <a:pPr lvl="1"/>
             <a:r>
-              <a:rPr lang="pt-BR" smtClean="0"/>
+              <a:rPr lang="pt-BR"/>
               <a:t>Segundo nível</a:t>
             </a:r>
           </a:p>
           <a:p>
             <a:pPr lvl="2"/>
             <a:r>
-              <a:rPr lang="pt-BR" smtClean="0"/>
+              <a:rPr lang="pt-BR"/>
               <a:t>Terceiro nível</a:t>
             </a:r>
           </a:p>
           <a:p>
             <a:pPr lvl="3"/>
             <a:r>
-              <a:rPr lang="pt-BR" smtClean="0"/>
+              <a:rPr lang="pt-BR"/>
               <a:t>Quarto nível</a:t>
             </a:r>
           </a:p>
           <a:p>
             <a:pPr lvl="4"/>
             <a:r>
-              <a:rPr lang="pt-BR" smtClean="0"/>
+              <a:rPr lang="pt-BR"/>
               <a:t>Quinto nível</a:t>
             </a:r>
-            <a:endParaRPr lang="pt-BR"/>
           </a:p>
         </p:txBody>
       </p:sp>
@@ -1201,38 +1196,37 @@
           <a:p>
             <a:pPr lvl="0"/>
             <a:r>
-              <a:rPr lang="pt-BR" smtClean="0"/>
+              <a:rPr lang="pt-BR"/>
               <a:t>Clique para editar o texto mestre</a:t>
             </a:r>
           </a:p>
           <a:p>
             <a:pPr lvl="1"/>
             <a:r>
-              <a:rPr lang="pt-BR" smtClean="0"/>
+              <a:rPr lang="pt-BR"/>
               <a:t>Segundo nível</a:t>
             </a:r>
           </a:p>
           <a:p>
             <a:pPr lvl="2"/>
             <a:r>
-              <a:rPr lang="pt-BR" smtClean="0"/>
+              <a:rPr lang="pt-BR"/>
               <a:t>Terceiro nível</a:t>
             </a:r>
           </a:p>
           <a:p>
             <a:pPr lvl="3"/>
             <a:r>
-              <a:rPr lang="pt-BR" smtClean="0"/>
+              <a:rPr lang="pt-BR"/>
               <a:t>Quarto nível</a:t>
             </a:r>
           </a:p>
           <a:p>
             <a:pPr lvl="4"/>
             <a:r>
-              <a:rPr lang="pt-BR" smtClean="0"/>
+              <a:rPr lang="pt-BR"/>
               <a:t>Quinto nível</a:t>
             </a:r>
-            <a:endParaRPr lang="pt-BR"/>
           </a:p>
         </p:txBody>
       </p:sp>
@@ -1352,10 +1346,9 @@
           <a:lstStyle/>
           <a:p>
             <a:r>
-              <a:rPr lang="pt-BR" smtClean="0"/>
+              <a:rPr lang="pt-BR"/>
               <a:t>Clique para editar o título mestre</a:t>
             </a:r>
-            <a:endParaRPr lang="pt-BR"/>
           </a:p>
         </p:txBody>
       </p:sp>
@@ -1418,7 +1411,7 @@
           <a:p>
             <a:pPr lvl="0"/>
             <a:r>
-              <a:rPr lang="pt-BR" smtClean="0"/>
+              <a:rPr lang="pt-BR"/>
               <a:t>Clique para editar o texto mestre</a:t>
             </a:r>
           </a:p>
@@ -1446,38 +1439,37 @@
           <a:p>
             <a:pPr lvl="0"/>
             <a:r>
-              <a:rPr lang="pt-BR" smtClean="0"/>
+              <a:rPr lang="pt-BR"/>
               <a:t>Clique para editar o texto mestre</a:t>
             </a:r>
           </a:p>
           <a:p>
             <a:pPr lvl="1"/>
             <a:r>
-              <a:rPr lang="pt-BR" smtClean="0"/>
+              <a:rPr lang="pt-BR"/>
               <a:t>Segundo nível</a:t>
             </a:r>
           </a:p>
           <a:p>
             <a:pPr lvl="2"/>
             <a:r>
-              <a:rPr lang="pt-BR" smtClean="0"/>
+              <a:rPr lang="pt-BR"/>
               <a:t>Terceiro nível</a:t>
             </a:r>
           </a:p>
           <a:p>
             <a:pPr lvl="3"/>
             <a:r>
-              <a:rPr lang="pt-BR" smtClean="0"/>
+              <a:rPr lang="pt-BR"/>
               <a:t>Quarto nível</a:t>
             </a:r>
           </a:p>
           <a:p>
             <a:pPr lvl="4"/>
             <a:r>
-              <a:rPr lang="pt-BR" smtClean="0"/>
+              <a:rPr lang="pt-BR"/>
               <a:t>Quinto nível</a:t>
             </a:r>
-            <a:endParaRPr lang="pt-BR"/>
           </a:p>
         </p:txBody>
       </p:sp>
@@ -1540,7 +1532,7 @@
           <a:p>
             <a:pPr lvl="0"/>
             <a:r>
-              <a:rPr lang="pt-BR" smtClean="0"/>
+              <a:rPr lang="pt-BR"/>
               <a:t>Clique para editar o texto mestre</a:t>
             </a:r>
           </a:p>
@@ -1568,38 +1560,37 @@
           <a:p>
             <a:pPr lvl="0"/>
             <a:r>
-              <a:rPr lang="pt-BR" smtClean="0"/>
+              <a:rPr lang="pt-BR"/>
               <a:t>Clique para editar o texto mestre</a:t>
             </a:r>
           </a:p>
           <a:p>
             <a:pPr lvl="1"/>
             <a:r>
-              <a:rPr lang="pt-BR" smtClean="0"/>
+              <a:rPr lang="pt-BR"/>
               <a:t>Segundo nível</a:t>
             </a:r>
           </a:p>
           <a:p>
             <a:pPr lvl="2"/>
             <a:r>
-              <a:rPr lang="pt-BR" smtClean="0"/>
+              <a:rPr lang="pt-BR"/>
               <a:t>Terceiro nível</a:t>
             </a:r>
           </a:p>
           <a:p>
             <a:pPr lvl="3"/>
             <a:r>
-              <a:rPr lang="pt-BR" smtClean="0"/>
+              <a:rPr lang="pt-BR"/>
               <a:t>Quarto nível</a:t>
             </a:r>
           </a:p>
           <a:p>
             <a:pPr lvl="4"/>
             <a:r>
-              <a:rPr lang="pt-BR" smtClean="0"/>
+              <a:rPr lang="pt-BR"/>
               <a:t>Quinto nível</a:t>
             </a:r>
-            <a:endParaRPr lang="pt-BR"/>
           </a:p>
         </p:txBody>
       </p:sp>
@@ -1714,10 +1705,9 @@
           <a:lstStyle/>
           <a:p>
             <a:r>
-              <a:rPr lang="pt-BR" smtClean="0"/>
+              <a:rPr lang="pt-BR"/>
               <a:t>Clique para editar o título mestre</a:t>
             </a:r>
-            <a:endParaRPr lang="pt-BR"/>
           </a:p>
         </p:txBody>
       </p:sp>
@@ -1936,10 +1926,9 @@
           </a:lstStyle>
           <a:p>
             <a:r>
-              <a:rPr lang="pt-BR" smtClean="0"/>
+              <a:rPr lang="pt-BR"/>
               <a:t>Clique para editar o título mestre</a:t>
             </a:r>
-            <a:endParaRPr lang="pt-BR"/>
           </a:p>
         </p:txBody>
       </p:sp>
@@ -1993,38 +1982,37 @@
           <a:p>
             <a:pPr lvl="0"/>
             <a:r>
-              <a:rPr lang="pt-BR" smtClean="0"/>
+              <a:rPr lang="pt-BR"/>
               <a:t>Clique para editar o texto mestre</a:t>
             </a:r>
           </a:p>
           <a:p>
             <a:pPr lvl="1"/>
             <a:r>
-              <a:rPr lang="pt-BR" smtClean="0"/>
+              <a:rPr lang="pt-BR"/>
               <a:t>Segundo nível</a:t>
             </a:r>
           </a:p>
           <a:p>
             <a:pPr lvl="2"/>
             <a:r>
-              <a:rPr lang="pt-BR" smtClean="0"/>
+              <a:rPr lang="pt-BR"/>
               <a:t>Terceiro nível</a:t>
             </a:r>
           </a:p>
           <a:p>
             <a:pPr lvl="3"/>
             <a:r>
-              <a:rPr lang="pt-BR" smtClean="0"/>
+              <a:rPr lang="pt-BR"/>
               <a:t>Quarto nível</a:t>
             </a:r>
           </a:p>
           <a:p>
             <a:pPr lvl="4"/>
             <a:r>
-              <a:rPr lang="pt-BR" smtClean="0"/>
+              <a:rPr lang="pt-BR"/>
               <a:t>Quinto nível</a:t>
             </a:r>
-            <a:endParaRPr lang="pt-BR"/>
           </a:p>
         </p:txBody>
       </p:sp>
@@ -2087,7 +2075,7 @@
           <a:p>
             <a:pPr lvl="0"/>
             <a:r>
-              <a:rPr lang="pt-BR" smtClean="0"/>
+              <a:rPr lang="pt-BR"/>
               <a:t>Clique para editar o texto mestre</a:t>
             </a:r>
           </a:p>
@@ -2213,10 +2201,9 @@
           </a:lstStyle>
           <a:p>
             <a:r>
-              <a:rPr lang="pt-BR" smtClean="0"/>
+              <a:rPr lang="pt-BR"/>
               <a:t>Clique para editar o título mestre</a:t>
             </a:r>
-            <a:endParaRPr lang="pt-BR"/>
           </a:p>
         </p:txBody>
       </p:sp>
@@ -2340,7 +2327,7 @@
           <a:p>
             <a:pPr lvl="0"/>
             <a:r>
-              <a:rPr lang="pt-BR" smtClean="0"/>
+              <a:rPr lang="pt-BR"/>
               <a:t>Clique para editar o texto mestre</a:t>
             </a:r>
           </a:p>
@@ -2475,10 +2462,9 @@
           <a:lstStyle/>
           <a:p>
             <a:r>
-              <a:rPr lang="pt-BR" smtClean="0"/>
+              <a:rPr lang="pt-BR"/>
               <a:t>Clique para editar o título mestre</a:t>
             </a:r>
-            <a:endParaRPr lang="pt-BR"/>
           </a:p>
         </p:txBody>
       </p:sp>
@@ -2509,38 +2495,37 @@
           <a:p>
             <a:pPr lvl="0"/>
             <a:r>
-              <a:rPr lang="pt-BR" smtClean="0"/>
+              <a:rPr lang="pt-BR"/>
               <a:t>Clique para editar o texto mestre</a:t>
             </a:r>
           </a:p>
           <a:p>
             <a:pPr lvl="1"/>
             <a:r>
-              <a:rPr lang="pt-BR" smtClean="0"/>
+              <a:rPr lang="pt-BR"/>
               <a:t>Segundo nível</a:t>
             </a:r>
           </a:p>
           <a:p>
             <a:pPr lvl="2"/>
             <a:r>
-              <a:rPr lang="pt-BR" smtClean="0"/>
+              <a:rPr lang="pt-BR"/>
               <a:t>Terceiro nível</a:t>
             </a:r>
           </a:p>
           <a:p>
             <a:pPr lvl="3"/>
             <a:r>
-              <a:rPr lang="pt-BR" smtClean="0"/>
+              <a:rPr lang="pt-BR"/>
               <a:t>Quarto nível</a:t>
             </a:r>
           </a:p>
           <a:p>
             <a:pPr lvl="4"/>
             <a:r>
-              <a:rPr lang="pt-BR" smtClean="0"/>
+              <a:rPr lang="pt-BR"/>
               <a:t>Quinto nível</a:t>
             </a:r>
-            <a:endParaRPr lang="pt-BR"/>
           </a:p>
         </p:txBody>
       </p:sp>
@@ -3007,10 +2992,9 @@
           <a:lstStyle/>
           <a:p>
             <a:r>
-              <a:rPr lang="pt-BR" dirty="0" smtClean="0"/>
+              <a:rPr lang="pt-BR" dirty="0"/>
               <a:t>Modelagem UML</a:t>
             </a:r>
-            <a:endParaRPr lang="pt-BR" dirty="0"/>
           </a:p>
         </p:txBody>
       </p:sp>
@@ -3035,10 +3019,9 @@
           <a:lstStyle/>
           <a:p>
             <a:r>
-              <a:rPr lang="pt-BR" dirty="0" smtClean="0"/>
+              <a:rPr lang="pt-BR" dirty="0"/>
               <a:t>Desenvolvimento de Aplicações</a:t>
             </a:r>
-            <a:endParaRPr lang="pt-BR" dirty="0"/>
           </a:p>
         </p:txBody>
       </p:sp>
@@ -3129,46 +3112,21 @@
           <a:lstStyle/>
           <a:p>
             <a:r>
-              <a:rPr lang="pt-BR" dirty="0" smtClean="0"/>
-              <a:t>Multiplicidade</a:t>
-            </a:r>
-            <a:endParaRPr lang="pt-BR" dirty="0"/>
-          </a:p>
-        </p:txBody>
-      </p:sp>
-      <p:sp>
-        <p:nvSpPr>
-          <p:cNvPr id="3" name="Espaço Reservado para Conteúdo 2"/>
-          <p:cNvSpPr>
-            <a:spLocks noGrp="1"/>
-          </p:cNvSpPr>
-          <p:nvPr>
-            <p:ph idx="1"/>
-          </p:nvPr>
-        </p:nvSpPr>
-        <p:spPr/>
-        <p:txBody>
-          <a:bodyPr/>
-          <a:lstStyle/>
-          <a:p>
-            <a:pPr marL="0" indent="0">
-              <a:buNone/>
-            </a:pPr>
-            <a:r>
-              <a:rPr lang="pt-BR" dirty="0" smtClean="0"/>
-              <a:t>A multiplicidade em uma associação entre ator e um caso de uso especifica o número de vezes que um ator pode utilizar um determinado caso de uso</a:t>
-            </a:r>
-            <a:endParaRPr lang="pt-BR" dirty="0"/>
+              <a:rPr lang="pt-BR" dirty="0"/>
+              <a:t>Pontos de Extensão</a:t>
+            </a:r>
           </a:p>
         </p:txBody>
       </p:sp>
       <p:pic>
         <p:nvPicPr>
-          <p:cNvPr id="5" name="Imagem 4"/>
+          <p:cNvPr id="4" name="Espaço Reservado para Conteúdo 3"/>
           <p:cNvPicPr>
-            <a:picLocks noChangeAspect="1"/>
+            <a:picLocks noGrp="1" noChangeAspect="1"/>
           </p:cNvPicPr>
-          <p:nvPr/>
+          <p:nvPr>
+            <p:ph idx="1"/>
+          </p:nvPr>
         </p:nvPicPr>
         <p:blipFill>
           <a:blip r:embed="rId2"/>
@@ -3178,8 +3136,8 @@
         </p:blipFill>
         <p:spPr>
           <a:xfrm>
-            <a:off x="1153022" y="3320885"/>
-            <a:ext cx="9049782" cy="2856078"/>
+            <a:off x="1731642" y="1433015"/>
+            <a:ext cx="8845373" cy="5205206"/>
           </a:xfrm>
           <a:prstGeom prst="rect">
             <a:avLst/>
@@ -3216,10 +3174,51 @@
           </a:sp3d>
         </p:spPr>
       </p:pic>
+      <p:pic>
+        <p:nvPicPr>
+          <p:cNvPr id="5" name="Picture 2" descr="http://www.escoladegestao.pr.gov.br/arquivos/Image/2014/Logo_Parceiros_PR-Formar/UNICESUMAR/tn_600_580_unicesumar.JPG"/>
+          <p:cNvPicPr>
+            <a:picLocks noChangeAspect="1" noChangeArrowheads="1"/>
+          </p:cNvPicPr>
+          <p:nvPr/>
+        </p:nvPicPr>
+        <p:blipFill>
+          <a:blip r:embed="rId3" cstate="print">
+            <a:extLst>
+              <a:ext uri="{28A0092B-C50C-407E-A947-70E740481C1C}">
+                <a14:useLocalDpi xmlns:a14="http://schemas.microsoft.com/office/drawing/2010/main" val="0"/>
+              </a:ext>
+            </a:extLst>
+          </a:blip>
+          <a:srcRect/>
+          <a:stretch>
+            <a:fillRect/>
+          </a:stretch>
+        </p:blipFill>
+        <p:spPr bwMode="auto">
+          <a:xfrm>
+            <a:off x="9503154" y="574497"/>
+            <a:ext cx="1850646" cy="906817"/>
+          </a:xfrm>
+          <a:prstGeom prst="rect">
+            <a:avLst/>
+          </a:prstGeom>
+          <a:noFill/>
+          <a:extLst>
+            <a:ext uri="{909E8E84-426E-40DD-AFC4-6F175D3DCCD1}">
+              <a14:hiddenFill xmlns:a14="http://schemas.microsoft.com/office/drawing/2010/main">
+                <a:solidFill>
+                  <a:srgbClr val="FFFFFF"/>
+                </a:solidFill>
+              </a14:hiddenFill>
+            </a:ext>
+          </a:extLst>
+        </p:spPr>
+      </p:pic>
     </p:spTree>
     <p:extLst>
       <p:ext uri="{BB962C8B-B14F-4D97-AF65-F5344CB8AC3E}">
-        <p14:creationId xmlns:p14="http://schemas.microsoft.com/office/powerpoint/2010/main" val="3141705032"/>
+        <p14:creationId xmlns:p14="http://schemas.microsoft.com/office/powerpoint/2010/main" val="2114365301"/>
       </p:ext>
     </p:extLst>
   </p:cSld>
@@ -3262,22 +3261,44 @@
           <a:lstStyle/>
           <a:p>
             <a:r>
-              <a:rPr lang="pt-BR" dirty="0" smtClean="0"/>
+              <a:rPr lang="pt-BR" dirty="0"/>
               <a:t>Multiplicidade</a:t>
             </a:r>
-            <a:endParaRPr lang="pt-BR" dirty="0"/>
+          </a:p>
+        </p:txBody>
+      </p:sp>
+      <p:sp>
+        <p:nvSpPr>
+          <p:cNvPr id="3" name="Espaço Reservado para Conteúdo 2"/>
+          <p:cNvSpPr>
+            <a:spLocks noGrp="1"/>
+          </p:cNvSpPr>
+          <p:nvPr>
+            <p:ph idx="1"/>
+          </p:nvPr>
+        </p:nvSpPr>
+        <p:spPr/>
+        <p:txBody>
+          <a:bodyPr/>
+          <a:lstStyle/>
+          <a:p>
+            <a:pPr marL="0" indent="0">
+              <a:buNone/>
+            </a:pPr>
+            <a:r>
+              <a:rPr lang="pt-BR" dirty="0"/>
+              <a:t>A multiplicidade em uma associação entre ator e um caso de uso especifica o número de vezes que um ator pode utilizar um determinado caso de uso</a:t>
+            </a:r>
           </a:p>
         </p:txBody>
       </p:sp>
       <p:pic>
         <p:nvPicPr>
-          <p:cNvPr id="6" name="Espaço Reservado para Conteúdo 5"/>
+          <p:cNvPr id="5" name="Imagem 4"/>
           <p:cNvPicPr>
-            <a:picLocks noGrp="1" noChangeAspect="1"/>
+            <a:picLocks noChangeAspect="1"/>
           </p:cNvPicPr>
-          <p:nvPr>
-            <p:ph idx="1"/>
-          </p:nvPr>
+          <p:nvPr/>
         </p:nvPicPr>
         <p:blipFill>
           <a:blip r:embed="rId2"/>
@@ -3287,8 +3308,8 @@
         </p:blipFill>
         <p:spPr>
           <a:xfrm>
-            <a:off x="3073574" y="1690689"/>
-            <a:ext cx="5635610" cy="4983066"/>
+            <a:off x="1153022" y="3320885"/>
+            <a:ext cx="9049782" cy="2856078"/>
           </a:xfrm>
           <a:prstGeom prst="rect">
             <a:avLst/>
@@ -3325,10 +3346,51 @@
           </a:sp3d>
         </p:spPr>
       </p:pic>
+      <p:pic>
+        <p:nvPicPr>
+          <p:cNvPr id="6" name="Picture 2" descr="http://www.escoladegestao.pr.gov.br/arquivos/Image/2014/Logo_Parceiros_PR-Formar/UNICESUMAR/tn_600_580_unicesumar.JPG"/>
+          <p:cNvPicPr>
+            <a:picLocks noChangeAspect="1" noChangeArrowheads="1"/>
+          </p:cNvPicPr>
+          <p:nvPr/>
+        </p:nvPicPr>
+        <p:blipFill>
+          <a:blip r:embed="rId3" cstate="print">
+            <a:extLst>
+              <a:ext uri="{28A0092B-C50C-407E-A947-70E740481C1C}">
+                <a14:useLocalDpi xmlns:a14="http://schemas.microsoft.com/office/drawing/2010/main" val="0"/>
+              </a:ext>
+            </a:extLst>
+          </a:blip>
+          <a:srcRect/>
+          <a:stretch>
+            <a:fillRect/>
+          </a:stretch>
+        </p:blipFill>
+        <p:spPr bwMode="auto">
+          <a:xfrm>
+            <a:off x="9503154" y="574497"/>
+            <a:ext cx="1850646" cy="906817"/>
+          </a:xfrm>
+          <a:prstGeom prst="rect">
+            <a:avLst/>
+          </a:prstGeom>
+          <a:noFill/>
+          <a:extLst>
+            <a:ext uri="{909E8E84-426E-40DD-AFC4-6F175D3DCCD1}">
+              <a14:hiddenFill xmlns:a14="http://schemas.microsoft.com/office/drawing/2010/main">
+                <a:solidFill>
+                  <a:srgbClr val="FFFFFF"/>
+                </a:solidFill>
+              </a14:hiddenFill>
+            </a:ext>
+          </a:extLst>
+        </p:spPr>
+      </p:pic>
     </p:spTree>
     <p:extLst>
       <p:ext uri="{BB962C8B-B14F-4D97-AF65-F5344CB8AC3E}">
-        <p14:creationId xmlns:p14="http://schemas.microsoft.com/office/powerpoint/2010/main" val="233062928"/>
+        <p14:creationId xmlns:p14="http://schemas.microsoft.com/office/powerpoint/2010/main" val="3141705032"/>
       </p:ext>
     </p:extLst>
   </p:cSld>
@@ -3371,16 +3433,15 @@
           <a:lstStyle/>
           <a:p>
             <a:r>
-              <a:rPr lang="pt-BR" dirty="0" smtClean="0"/>
-              <a:t>Fronteira de Sistema</a:t>
-            </a:r>
-            <a:endParaRPr lang="pt-BR" dirty="0"/>
+              <a:rPr lang="pt-BR" dirty="0"/>
+              <a:t>Multiplicidade</a:t>
+            </a:r>
           </a:p>
         </p:txBody>
       </p:sp>
       <p:pic>
         <p:nvPicPr>
-          <p:cNvPr id="7" name="Espaço Reservado para Conteúdo 6"/>
+          <p:cNvPr id="6" name="Espaço Reservado para Conteúdo 5"/>
           <p:cNvPicPr>
             <a:picLocks noGrp="1" noChangeAspect="1"/>
           </p:cNvPicPr>
@@ -3396,8 +3457,8 @@
         </p:blipFill>
         <p:spPr>
           <a:xfrm>
-            <a:off x="1078172" y="1317576"/>
-            <a:ext cx="10008707" cy="5431241"/>
+            <a:off x="3073574" y="1690689"/>
+            <a:ext cx="5635610" cy="4983066"/>
           </a:xfrm>
           <a:prstGeom prst="rect">
             <a:avLst/>
@@ -3434,10 +3495,51 @@
           </a:sp3d>
         </p:spPr>
       </p:pic>
+      <p:pic>
+        <p:nvPicPr>
+          <p:cNvPr id="4" name="Picture 2" descr="http://www.escoladegestao.pr.gov.br/arquivos/Image/2014/Logo_Parceiros_PR-Formar/UNICESUMAR/tn_600_580_unicesumar.JPG"/>
+          <p:cNvPicPr>
+            <a:picLocks noChangeAspect="1" noChangeArrowheads="1"/>
+          </p:cNvPicPr>
+          <p:nvPr/>
+        </p:nvPicPr>
+        <p:blipFill>
+          <a:blip r:embed="rId3" cstate="print">
+            <a:extLst>
+              <a:ext uri="{28A0092B-C50C-407E-A947-70E740481C1C}">
+                <a14:useLocalDpi xmlns:a14="http://schemas.microsoft.com/office/drawing/2010/main" val="0"/>
+              </a:ext>
+            </a:extLst>
+          </a:blip>
+          <a:srcRect/>
+          <a:stretch>
+            <a:fillRect/>
+          </a:stretch>
+        </p:blipFill>
+        <p:spPr bwMode="auto">
+          <a:xfrm>
+            <a:off x="9503154" y="574497"/>
+            <a:ext cx="1850646" cy="906817"/>
+          </a:xfrm>
+          <a:prstGeom prst="rect">
+            <a:avLst/>
+          </a:prstGeom>
+          <a:noFill/>
+          <a:extLst>
+            <a:ext uri="{909E8E84-426E-40DD-AFC4-6F175D3DCCD1}">
+              <a14:hiddenFill xmlns:a14="http://schemas.microsoft.com/office/drawing/2010/main">
+                <a:solidFill>
+                  <a:srgbClr val="FFFFFF"/>
+                </a:solidFill>
+              </a14:hiddenFill>
+            </a:ext>
+          </a:extLst>
+        </p:spPr>
+      </p:pic>
     </p:spTree>
     <p:extLst>
       <p:ext uri="{BB962C8B-B14F-4D97-AF65-F5344CB8AC3E}">
-        <p14:creationId xmlns:p14="http://schemas.microsoft.com/office/powerpoint/2010/main" val="1933360464"/>
+        <p14:creationId xmlns:p14="http://schemas.microsoft.com/office/powerpoint/2010/main" val="233062928"/>
       </p:ext>
     </p:extLst>
   </p:cSld>
@@ -3480,16 +3582,15 @@
           <a:lstStyle/>
           <a:p>
             <a:r>
-              <a:rPr lang="pt-BR" dirty="0" smtClean="0"/>
-              <a:t>Documentação</a:t>
-            </a:r>
-            <a:endParaRPr lang="pt-BR" dirty="0"/>
+              <a:rPr lang="pt-BR" dirty="0"/>
+              <a:t>Fronteira de Sistema</a:t>
+            </a:r>
           </a:p>
         </p:txBody>
       </p:sp>
       <p:pic>
         <p:nvPicPr>
-          <p:cNvPr id="4" name="Espaço Reservado para Conteúdo 3"/>
+          <p:cNvPr id="7" name="Espaço Reservado para Conteúdo 6"/>
           <p:cNvPicPr>
             <a:picLocks noGrp="1" noChangeAspect="1"/>
           </p:cNvPicPr>
@@ -3505,710 +3606,8 @@
         </p:blipFill>
         <p:spPr>
           <a:xfrm>
-            <a:off x="5625938" y="215188"/>
-            <a:ext cx="6321474" cy="6308441"/>
-          </a:xfrm>
-          <a:prstGeom prst="rect">
-            <a:avLst/>
-          </a:prstGeom>
-          <a:ln>
-            <a:noFill/>
-          </a:ln>
-          <a:effectLst>
-            <a:outerShdw blurRad="292100" dist="139700" dir="2700000" algn="tl" rotWithShape="0">
-              <a:srgbClr val="333333">
-                <a:alpha val="65000"/>
-              </a:srgbClr>
-            </a:outerShdw>
-          </a:effectLst>
-        </p:spPr>
-      </p:pic>
-    </p:spTree>
-    <p:extLst>
-      <p:ext uri="{BB962C8B-B14F-4D97-AF65-F5344CB8AC3E}">
-        <p14:creationId xmlns:p14="http://schemas.microsoft.com/office/powerpoint/2010/main" val="669499858"/>
-      </p:ext>
-    </p:extLst>
-  </p:cSld>
-  <p:clrMapOvr>
-    <a:masterClrMapping/>
-  </p:clrMapOvr>
-</p:sld>
-</file>
-
-<file path=ppt/slides/slide14.xml><?xml version="1.0" encoding="utf-8"?>
-<p:sld xmlns:a="http://schemas.openxmlformats.org/drawingml/2006/main" xmlns:r="http://schemas.openxmlformats.org/officeDocument/2006/relationships" xmlns:p="http://schemas.openxmlformats.org/presentationml/2006/main">
-  <p:cSld>
-    <p:spTree>
-      <p:nvGrpSpPr>
-        <p:cNvPr id="1" name=""/>
-        <p:cNvGrpSpPr/>
-        <p:nvPr/>
-      </p:nvGrpSpPr>
-      <p:grpSpPr>
-        <a:xfrm>
-          <a:off x="0" y="0"/>
-          <a:ext cx="0" cy="0"/>
-          <a:chOff x="0" y="0"/>
-          <a:chExt cx="0" cy="0"/>
-        </a:xfrm>
-      </p:grpSpPr>
-      <p:sp>
-        <p:nvSpPr>
-          <p:cNvPr id="2" name="Título 1"/>
-          <p:cNvSpPr>
-            <a:spLocks noGrp="1"/>
-          </p:cNvSpPr>
-          <p:nvPr>
-            <p:ph type="title"/>
-          </p:nvPr>
-        </p:nvSpPr>
-        <p:spPr/>
-        <p:txBody>
-          <a:bodyPr/>
-          <a:lstStyle/>
-          <a:p>
-            <a:r>
-              <a:rPr lang="pt-BR" dirty="0" smtClean="0"/>
-              <a:t>Exercício – Sistema de Controle de Cinema</a:t>
-            </a:r>
-            <a:endParaRPr lang="pt-BR" dirty="0"/>
-          </a:p>
-        </p:txBody>
-      </p:sp>
-      <p:sp>
-        <p:nvSpPr>
-          <p:cNvPr id="3" name="Espaço Reservado para Conteúdo 2"/>
-          <p:cNvSpPr>
-            <a:spLocks noGrp="1"/>
-          </p:cNvSpPr>
-          <p:nvPr>
-            <p:ph idx="1"/>
-          </p:nvPr>
-        </p:nvSpPr>
-        <p:spPr/>
-        <p:txBody>
-          <a:bodyPr>
-            <a:normAutofit fontScale="85000" lnSpcReduction="20000"/>
-          </a:bodyPr>
-          <a:lstStyle/>
-          <a:p>
-            <a:pPr marL="0" indent="0">
-              <a:buNone/>
-            </a:pPr>
-            <a:r>
-              <a:rPr lang="pt-BR" dirty="0" smtClean="0"/>
-              <a:t>Desenvolva o diagrama de caso de uso para um sistema de controle de cinema, sabendo que:</a:t>
-            </a:r>
-          </a:p>
-          <a:p>
-            <a:r>
-              <a:rPr lang="pt-BR" dirty="0" smtClean="0"/>
-              <a:t>Um cinema pode ter muitas salas, sendo necessário registrar informações a respeito de cada uma, como a sua capacidade.</a:t>
-            </a:r>
-          </a:p>
-          <a:p>
-            <a:r>
-              <a:rPr lang="pt-BR" dirty="0" smtClean="0"/>
-              <a:t>O cinema apresenta muitos filmes, Um filme tem informações como título e duração. Sempre que um filme for apresentado, deve-se registrá-lo também.</a:t>
-            </a:r>
-          </a:p>
-          <a:p>
-            <a:r>
-              <a:rPr lang="pt-BR" dirty="0" smtClean="0"/>
-              <a:t>Um mesmo filme pode ser apresentado em diferentes salas em diferentes horários. Cada apresentação em uma determinada sala e horário é chamada de Sessão. </a:t>
-            </a:r>
-          </a:p>
-          <a:p>
-            <a:r>
-              <a:rPr lang="pt-BR" dirty="0" smtClean="0"/>
-              <a:t>Os clientes do cinema podem comprar ingressos para assistir a um sessão. O funcionário deve intermediar a compra do ingresso. Um cliente só pode comprar ingressos para sessões ainda não encerradas. </a:t>
-            </a:r>
-          </a:p>
-          <a:p>
-            <a:r>
-              <a:rPr lang="pt-BR" dirty="0" smtClean="0"/>
-              <a:t>O cinema oferece meia entrada para idosos e crianças.</a:t>
-            </a:r>
-            <a:endParaRPr lang="pt-BR" dirty="0"/>
-          </a:p>
-        </p:txBody>
-      </p:sp>
-    </p:spTree>
-    <p:extLst>
-      <p:ext uri="{BB962C8B-B14F-4D97-AF65-F5344CB8AC3E}">
-        <p14:creationId xmlns:p14="http://schemas.microsoft.com/office/powerpoint/2010/main" val="2656975448"/>
-      </p:ext>
-    </p:extLst>
-  </p:cSld>
-  <p:clrMapOvr>
-    <a:masterClrMapping/>
-  </p:clrMapOvr>
-</p:sld>
-</file>
-
-<file path=ppt/slides/slide15.xml><?xml version="1.0" encoding="utf-8"?>
-<p:sld xmlns:a="http://schemas.openxmlformats.org/drawingml/2006/main" xmlns:r="http://schemas.openxmlformats.org/officeDocument/2006/relationships" xmlns:p="http://schemas.openxmlformats.org/presentationml/2006/main">
-  <p:cSld>
-    <p:spTree>
-      <p:nvGrpSpPr>
-        <p:cNvPr id="1" name=""/>
-        <p:cNvGrpSpPr/>
-        <p:nvPr/>
-      </p:nvGrpSpPr>
-      <p:grpSpPr>
-        <a:xfrm>
-          <a:off x="0" y="0"/>
-          <a:ext cx="0" cy="0"/>
-          <a:chOff x="0" y="0"/>
-          <a:chExt cx="0" cy="0"/>
-        </a:xfrm>
-      </p:grpSpPr>
-      <p:sp>
-        <p:nvSpPr>
-          <p:cNvPr id="2" name="Título 1"/>
-          <p:cNvSpPr>
-            <a:spLocks noGrp="1"/>
-          </p:cNvSpPr>
-          <p:nvPr>
-            <p:ph type="title"/>
-          </p:nvPr>
-        </p:nvSpPr>
-        <p:spPr/>
-        <p:txBody>
-          <a:bodyPr/>
-          <a:lstStyle/>
-          <a:p>
-            <a:r>
-              <a:rPr lang="pt-BR" dirty="0" smtClean="0"/>
-              <a:t>Diagrama de Classes</a:t>
-            </a:r>
-            <a:endParaRPr lang="pt-BR" dirty="0"/>
-          </a:p>
-        </p:txBody>
-      </p:sp>
-      <p:sp>
-        <p:nvSpPr>
-          <p:cNvPr id="3" name="Espaço Reservado para Conteúdo 2"/>
-          <p:cNvSpPr>
-            <a:spLocks noGrp="1"/>
-          </p:cNvSpPr>
-          <p:nvPr>
-            <p:ph idx="1"/>
-          </p:nvPr>
-        </p:nvSpPr>
-        <p:spPr/>
-        <p:txBody>
-          <a:bodyPr/>
-          <a:lstStyle/>
-          <a:p>
-            <a:endParaRPr lang="pt-BR"/>
-          </a:p>
-        </p:txBody>
-      </p:sp>
-    </p:spTree>
-    <p:extLst>
-      <p:ext uri="{BB962C8B-B14F-4D97-AF65-F5344CB8AC3E}">
-        <p14:creationId xmlns:p14="http://schemas.microsoft.com/office/powerpoint/2010/main" val="1232939537"/>
-      </p:ext>
-    </p:extLst>
-  </p:cSld>
-  <p:clrMapOvr>
-    <a:masterClrMapping/>
-  </p:clrMapOvr>
-</p:sld>
-</file>
-
-<file path=ppt/slides/slide16.xml><?xml version="1.0" encoding="utf-8"?>
-<p:sld xmlns:a="http://schemas.openxmlformats.org/drawingml/2006/main" xmlns:r="http://schemas.openxmlformats.org/officeDocument/2006/relationships" xmlns:p="http://schemas.openxmlformats.org/presentationml/2006/main">
-  <p:cSld>
-    <p:spTree>
-      <p:nvGrpSpPr>
-        <p:cNvPr id="1" name=""/>
-        <p:cNvGrpSpPr/>
-        <p:nvPr/>
-      </p:nvGrpSpPr>
-      <p:grpSpPr>
-        <a:xfrm>
-          <a:off x="0" y="0"/>
-          <a:ext cx="0" cy="0"/>
-          <a:chOff x="0" y="0"/>
-          <a:chExt cx="0" cy="0"/>
-        </a:xfrm>
-      </p:grpSpPr>
-      <p:sp>
-        <p:nvSpPr>
-          <p:cNvPr id="2" name="Título 1"/>
-          <p:cNvSpPr>
-            <a:spLocks noGrp="1"/>
-          </p:cNvSpPr>
-          <p:nvPr>
-            <p:ph type="title"/>
-          </p:nvPr>
-        </p:nvSpPr>
-        <p:spPr/>
-        <p:txBody>
-          <a:bodyPr/>
-          <a:lstStyle/>
-          <a:p>
-            <a:r>
-              <a:rPr lang="pt-BR" dirty="0" smtClean="0"/>
-              <a:t>Atributos e Métodos</a:t>
-            </a:r>
-            <a:endParaRPr lang="pt-BR" dirty="0"/>
-          </a:p>
-        </p:txBody>
-      </p:sp>
-      <p:sp>
-        <p:nvSpPr>
-          <p:cNvPr id="3" name="Espaço Reservado para Conteúdo 2"/>
-          <p:cNvSpPr>
-            <a:spLocks noGrp="1"/>
-          </p:cNvSpPr>
-          <p:nvPr>
-            <p:ph idx="1"/>
-          </p:nvPr>
-        </p:nvSpPr>
-        <p:spPr/>
-        <p:txBody>
-          <a:bodyPr/>
-          <a:lstStyle/>
-          <a:p>
-            <a:endParaRPr lang="pt-BR"/>
-          </a:p>
-        </p:txBody>
-      </p:sp>
-    </p:spTree>
-    <p:extLst>
-      <p:ext uri="{BB962C8B-B14F-4D97-AF65-F5344CB8AC3E}">
-        <p14:creationId xmlns:p14="http://schemas.microsoft.com/office/powerpoint/2010/main" val="1487582797"/>
-      </p:ext>
-    </p:extLst>
-  </p:cSld>
-  <p:clrMapOvr>
-    <a:masterClrMapping/>
-  </p:clrMapOvr>
-</p:sld>
-</file>
-
-<file path=ppt/slides/slide17.xml><?xml version="1.0" encoding="utf-8"?>
-<p:sld xmlns:a="http://schemas.openxmlformats.org/drawingml/2006/main" xmlns:r="http://schemas.openxmlformats.org/officeDocument/2006/relationships" xmlns:p="http://schemas.openxmlformats.org/presentationml/2006/main">
-  <p:cSld>
-    <p:spTree>
-      <p:nvGrpSpPr>
-        <p:cNvPr id="1" name=""/>
-        <p:cNvGrpSpPr/>
-        <p:nvPr/>
-      </p:nvGrpSpPr>
-      <p:grpSpPr>
-        <a:xfrm>
-          <a:off x="0" y="0"/>
-          <a:ext cx="0" cy="0"/>
-          <a:chOff x="0" y="0"/>
-          <a:chExt cx="0" cy="0"/>
-        </a:xfrm>
-      </p:grpSpPr>
-      <p:sp>
-        <p:nvSpPr>
-          <p:cNvPr id="2" name="Título 1"/>
-          <p:cNvSpPr>
-            <a:spLocks noGrp="1"/>
-          </p:cNvSpPr>
-          <p:nvPr>
-            <p:ph type="title"/>
-          </p:nvPr>
-        </p:nvSpPr>
-        <p:spPr/>
-        <p:txBody>
-          <a:bodyPr/>
-          <a:lstStyle/>
-          <a:p>
-            <a:r>
-              <a:rPr lang="pt-BR" dirty="0" smtClean="0"/>
-              <a:t>Visibilidade</a:t>
-            </a:r>
-            <a:endParaRPr lang="pt-BR" dirty="0"/>
-          </a:p>
-        </p:txBody>
-      </p:sp>
-      <p:sp>
-        <p:nvSpPr>
-          <p:cNvPr id="3" name="Espaço Reservado para Conteúdo 2"/>
-          <p:cNvSpPr>
-            <a:spLocks noGrp="1"/>
-          </p:cNvSpPr>
-          <p:nvPr>
-            <p:ph idx="1"/>
-          </p:nvPr>
-        </p:nvSpPr>
-        <p:spPr/>
-        <p:txBody>
-          <a:bodyPr/>
-          <a:lstStyle/>
-          <a:p>
-            <a:endParaRPr lang="pt-BR"/>
-          </a:p>
-        </p:txBody>
-      </p:sp>
-    </p:spTree>
-    <p:extLst>
-      <p:ext uri="{BB962C8B-B14F-4D97-AF65-F5344CB8AC3E}">
-        <p14:creationId xmlns:p14="http://schemas.microsoft.com/office/powerpoint/2010/main" val="2864600593"/>
-      </p:ext>
-    </p:extLst>
-  </p:cSld>
-  <p:clrMapOvr>
-    <a:masterClrMapping/>
-  </p:clrMapOvr>
-</p:sld>
-</file>
-
-<file path=ppt/slides/slide18.xml><?xml version="1.0" encoding="utf-8"?>
-<p:sld xmlns:a="http://schemas.openxmlformats.org/drawingml/2006/main" xmlns:r="http://schemas.openxmlformats.org/officeDocument/2006/relationships" xmlns:p="http://schemas.openxmlformats.org/presentationml/2006/main">
-  <p:cSld>
-    <p:spTree>
-      <p:nvGrpSpPr>
-        <p:cNvPr id="1" name=""/>
-        <p:cNvGrpSpPr/>
-        <p:nvPr/>
-      </p:nvGrpSpPr>
-      <p:grpSpPr>
-        <a:xfrm>
-          <a:off x="0" y="0"/>
-          <a:ext cx="0" cy="0"/>
-          <a:chOff x="0" y="0"/>
-          <a:chExt cx="0" cy="0"/>
-        </a:xfrm>
-      </p:grpSpPr>
-      <p:sp>
-        <p:nvSpPr>
-          <p:cNvPr id="2" name="Título 1"/>
-          <p:cNvSpPr>
-            <a:spLocks noGrp="1"/>
-          </p:cNvSpPr>
-          <p:nvPr>
-            <p:ph type="title"/>
-          </p:nvPr>
-        </p:nvSpPr>
-        <p:spPr/>
-        <p:txBody>
-          <a:bodyPr/>
-          <a:lstStyle/>
-          <a:p>
-            <a:r>
-              <a:rPr lang="pt-BR" dirty="0" smtClean="0"/>
-              <a:t>Código Correspondente</a:t>
-            </a:r>
-            <a:endParaRPr lang="pt-BR" dirty="0"/>
-          </a:p>
-        </p:txBody>
-      </p:sp>
-      <p:sp>
-        <p:nvSpPr>
-          <p:cNvPr id="3" name="Espaço Reservado para Conteúdo 2"/>
-          <p:cNvSpPr>
-            <a:spLocks noGrp="1"/>
-          </p:cNvSpPr>
-          <p:nvPr>
-            <p:ph idx="1"/>
-          </p:nvPr>
-        </p:nvSpPr>
-        <p:spPr/>
-        <p:txBody>
-          <a:bodyPr/>
-          <a:lstStyle/>
-          <a:p>
-            <a:endParaRPr lang="pt-BR"/>
-          </a:p>
-        </p:txBody>
-      </p:sp>
-    </p:spTree>
-    <p:extLst>
-      <p:ext uri="{BB962C8B-B14F-4D97-AF65-F5344CB8AC3E}">
-        <p14:creationId xmlns:p14="http://schemas.microsoft.com/office/powerpoint/2010/main" val="3972914377"/>
-      </p:ext>
-    </p:extLst>
-  </p:cSld>
-  <p:clrMapOvr>
-    <a:masterClrMapping/>
-  </p:clrMapOvr>
-</p:sld>
-</file>
-
-<file path=ppt/slides/slide2.xml><?xml version="1.0" encoding="utf-8"?>
-<p:sld xmlns:a="http://schemas.openxmlformats.org/drawingml/2006/main" xmlns:r="http://schemas.openxmlformats.org/officeDocument/2006/relationships" xmlns:p="http://schemas.openxmlformats.org/presentationml/2006/main">
-  <p:cSld>
-    <p:spTree>
-      <p:nvGrpSpPr>
-        <p:cNvPr id="1" name=""/>
-        <p:cNvGrpSpPr/>
-        <p:nvPr/>
-      </p:nvGrpSpPr>
-      <p:grpSpPr>
-        <a:xfrm>
-          <a:off x="0" y="0"/>
-          <a:ext cx="0" cy="0"/>
-          <a:chOff x="0" y="0"/>
-          <a:chExt cx="0" cy="0"/>
-        </a:xfrm>
-      </p:grpSpPr>
-      <p:sp>
-        <p:nvSpPr>
-          <p:cNvPr id="2" name="Título 1"/>
-          <p:cNvSpPr>
-            <a:spLocks noGrp="1"/>
-          </p:cNvSpPr>
-          <p:nvPr>
-            <p:ph type="title"/>
-          </p:nvPr>
-        </p:nvSpPr>
-        <p:spPr/>
-        <p:txBody>
-          <a:bodyPr/>
-          <a:lstStyle/>
-          <a:p>
-            <a:r>
-              <a:rPr lang="pt-BR" dirty="0" smtClean="0"/>
-              <a:t>Resumo</a:t>
-            </a:r>
-            <a:endParaRPr lang="pt-BR" dirty="0"/>
-          </a:p>
-        </p:txBody>
-      </p:sp>
-      <p:sp>
-        <p:nvSpPr>
-          <p:cNvPr id="3" name="Espaço Reservado para Conteúdo 2"/>
-          <p:cNvSpPr>
-            <a:spLocks noGrp="1"/>
-          </p:cNvSpPr>
-          <p:nvPr>
-            <p:ph sz="half" idx="1"/>
-          </p:nvPr>
-        </p:nvSpPr>
-        <p:spPr/>
-        <p:txBody>
-          <a:bodyPr/>
-          <a:lstStyle/>
-          <a:p>
-            <a:r>
-              <a:rPr lang="pt-BR" dirty="0" smtClean="0"/>
-              <a:t>Resolução dos exercícios</a:t>
-            </a:r>
-          </a:p>
-          <a:p>
-            <a:r>
-              <a:rPr lang="pt-BR" dirty="0" smtClean="0"/>
-              <a:t>Notas adicionais</a:t>
-            </a:r>
-          </a:p>
-          <a:p>
-            <a:pPr lvl="1"/>
-            <a:r>
-              <a:rPr lang="pt-BR" dirty="0" smtClean="0"/>
-              <a:t>Inclusão x Extensão</a:t>
-            </a:r>
-          </a:p>
-          <a:p>
-            <a:pPr lvl="1"/>
-            <a:r>
-              <a:rPr lang="pt-BR" dirty="0" smtClean="0"/>
-              <a:t>Pontos de extensão</a:t>
-            </a:r>
-          </a:p>
-          <a:p>
-            <a:pPr lvl="1"/>
-            <a:r>
-              <a:rPr lang="pt-BR" dirty="0" smtClean="0"/>
-              <a:t>Multiplicidade</a:t>
-            </a:r>
-          </a:p>
-          <a:p>
-            <a:pPr lvl="1"/>
-            <a:r>
-              <a:rPr lang="pt-BR" dirty="0" smtClean="0"/>
-              <a:t>Fronteira do Sistema</a:t>
-            </a:r>
-          </a:p>
-          <a:p>
-            <a:pPr lvl="1"/>
-            <a:r>
-              <a:rPr lang="pt-BR" dirty="0" smtClean="0"/>
-              <a:t>Documentação</a:t>
-            </a:r>
-          </a:p>
-        </p:txBody>
-      </p:sp>
-      <p:sp>
-        <p:nvSpPr>
-          <p:cNvPr id="5" name="Espaço Reservado para Conteúdo 4"/>
-          <p:cNvSpPr>
-            <a:spLocks noGrp="1"/>
-          </p:cNvSpPr>
-          <p:nvPr>
-            <p:ph sz="half" idx="2"/>
-          </p:nvPr>
-        </p:nvSpPr>
-        <p:spPr/>
-        <p:txBody>
-          <a:bodyPr/>
-          <a:lstStyle/>
-          <a:p>
-            <a:r>
-              <a:rPr lang="pt-BR" dirty="0" smtClean="0"/>
-              <a:t>Diagrama de Classes </a:t>
-            </a:r>
-          </a:p>
-          <a:p>
-            <a:pPr lvl="1"/>
-            <a:r>
-              <a:rPr lang="pt-BR" dirty="0" smtClean="0"/>
-              <a:t>Atributos e métodos</a:t>
-            </a:r>
-          </a:p>
-          <a:p>
-            <a:pPr lvl="1"/>
-            <a:r>
-              <a:rPr lang="pt-BR" dirty="0" smtClean="0"/>
-              <a:t>Visibilidade</a:t>
-            </a:r>
-          </a:p>
-          <a:p>
-            <a:pPr lvl="1"/>
-            <a:r>
-              <a:rPr lang="pt-BR" dirty="0" smtClean="0"/>
-              <a:t>Código correspondente</a:t>
-            </a:r>
-            <a:endParaRPr lang="pt-BR" dirty="0"/>
-          </a:p>
-        </p:txBody>
-      </p:sp>
-      <p:pic>
-        <p:nvPicPr>
-          <p:cNvPr id="2050" name="Picture 2" descr="http://www.escoladegestao.pr.gov.br/arquivos/Image/2014/Logo_Parceiros_PR-Formar/UNICESUMAR/tn_600_580_unicesumar.JPG"/>
-          <p:cNvPicPr>
-            <a:picLocks noChangeAspect="1" noChangeArrowheads="1"/>
-          </p:cNvPicPr>
-          <p:nvPr/>
-        </p:nvPicPr>
-        <p:blipFill>
-          <a:blip r:embed="rId2" cstate="print">
-            <a:extLst>
-              <a:ext uri="{28A0092B-C50C-407E-A947-70E740481C1C}">
-                <a14:useLocalDpi xmlns:a14="http://schemas.microsoft.com/office/drawing/2010/main" val="0"/>
-              </a:ext>
-            </a:extLst>
-          </a:blip>
-          <a:srcRect/>
-          <a:stretch>
-            <a:fillRect/>
-          </a:stretch>
-        </p:blipFill>
-        <p:spPr bwMode="auto">
-          <a:xfrm>
-            <a:off x="9503154" y="574497"/>
-            <a:ext cx="1850646" cy="906817"/>
-          </a:xfrm>
-          <a:prstGeom prst="rect">
-            <a:avLst/>
-          </a:prstGeom>
-          <a:noFill/>
-          <a:extLst>
-            <a:ext uri="{909E8E84-426E-40DD-AFC4-6F175D3DCCD1}">
-              <a14:hiddenFill xmlns:a14="http://schemas.microsoft.com/office/drawing/2010/main">
-                <a:solidFill>
-                  <a:srgbClr val="FFFFFF"/>
-                </a:solidFill>
-              </a14:hiddenFill>
-            </a:ext>
-          </a:extLst>
-        </p:spPr>
-      </p:pic>
-    </p:spTree>
-    <p:extLst>
-      <p:ext uri="{BB962C8B-B14F-4D97-AF65-F5344CB8AC3E}">
-        <p14:creationId xmlns:p14="http://schemas.microsoft.com/office/powerpoint/2010/main" val="2222432684"/>
-      </p:ext>
-    </p:extLst>
-  </p:cSld>
-  <p:clrMapOvr>
-    <a:masterClrMapping/>
-  </p:clrMapOvr>
-</p:sld>
-</file>
-
-<file path=ppt/slides/slide3.xml><?xml version="1.0" encoding="utf-8"?>
-<p:sld xmlns:a="http://schemas.openxmlformats.org/drawingml/2006/main" xmlns:r="http://schemas.openxmlformats.org/officeDocument/2006/relationships" xmlns:p="http://schemas.openxmlformats.org/presentationml/2006/main">
-  <p:cSld>
-    <p:spTree>
-      <p:nvGrpSpPr>
-        <p:cNvPr id="1" name=""/>
-        <p:cNvGrpSpPr/>
-        <p:nvPr/>
-      </p:nvGrpSpPr>
-      <p:grpSpPr>
-        <a:xfrm>
-          <a:off x="0" y="0"/>
-          <a:ext cx="0" cy="0"/>
-          <a:chOff x="0" y="0"/>
-          <a:chExt cx="0" cy="0"/>
-        </a:xfrm>
-      </p:grpSpPr>
-      <p:sp>
-        <p:nvSpPr>
-          <p:cNvPr id="6" name="Título 5"/>
-          <p:cNvSpPr>
-            <a:spLocks noGrp="1"/>
-          </p:cNvSpPr>
-          <p:nvPr>
-            <p:ph type="title"/>
-          </p:nvPr>
-        </p:nvSpPr>
-        <p:spPr>
-          <a:xfrm>
-            <a:off x="838200" y="365125"/>
-            <a:ext cx="2655627" cy="5053036"/>
-          </a:xfrm>
-        </p:spPr>
-        <p:txBody>
-          <a:bodyPr>
-            <a:normAutofit/>
-          </a:bodyPr>
-          <a:lstStyle/>
-          <a:p>
-            <a:r>
-              <a:rPr lang="pt-BR" sz="4000" dirty="0" smtClean="0"/>
-              <a:t>Exercícios: Locadora de Veículos</a:t>
-            </a:r>
-            <a:endParaRPr lang="pt-BR" sz="4000" dirty="0"/>
-          </a:p>
-        </p:txBody>
-      </p:sp>
-      <p:pic>
-        <p:nvPicPr>
-          <p:cNvPr id="8" name="Espaço Reservado para Conteúdo 7"/>
-          <p:cNvPicPr>
-            <a:picLocks noGrp="1" noChangeAspect="1"/>
-          </p:cNvPicPr>
-          <p:nvPr>
-            <p:ph idx="1"/>
-          </p:nvPr>
-        </p:nvPicPr>
-        <p:blipFill>
-          <a:blip r:embed="rId2">
-            <a:extLst>
-              <a:ext uri="{28A0092B-C50C-407E-A947-70E740481C1C}">
-                <a14:useLocalDpi xmlns:a14="http://schemas.microsoft.com/office/drawing/2010/main" val="0"/>
-              </a:ext>
-            </a:extLst>
-          </a:blip>
-          <a:stretch>
-            <a:fillRect/>
-          </a:stretch>
-        </p:blipFill>
-        <p:spPr>
-          <a:xfrm>
-            <a:off x="3903261" y="132817"/>
-            <a:ext cx="8288740" cy="6725183"/>
+            <a:off x="1078172" y="1317576"/>
+            <a:ext cx="10008707" cy="5431241"/>
           </a:xfrm>
           <a:prstGeom prst="rect">
             <a:avLst/>
@@ -4245,10 +3644,51 @@
           </a:sp3d>
         </p:spPr>
       </p:pic>
+      <p:pic>
+        <p:nvPicPr>
+          <p:cNvPr id="4" name="Picture 2" descr="http://www.escoladegestao.pr.gov.br/arquivos/Image/2014/Logo_Parceiros_PR-Formar/UNICESUMAR/tn_600_580_unicesumar.JPG"/>
+          <p:cNvPicPr>
+            <a:picLocks noChangeAspect="1" noChangeArrowheads="1"/>
+          </p:cNvPicPr>
+          <p:nvPr/>
+        </p:nvPicPr>
+        <p:blipFill>
+          <a:blip r:embed="rId3" cstate="print">
+            <a:extLst>
+              <a:ext uri="{28A0092B-C50C-407E-A947-70E740481C1C}">
+                <a14:useLocalDpi xmlns:a14="http://schemas.microsoft.com/office/drawing/2010/main" val="0"/>
+              </a:ext>
+            </a:extLst>
+          </a:blip>
+          <a:srcRect/>
+          <a:stretch>
+            <a:fillRect/>
+          </a:stretch>
+        </p:blipFill>
+        <p:spPr bwMode="auto">
+          <a:xfrm>
+            <a:off x="9503154" y="574497"/>
+            <a:ext cx="1850646" cy="906817"/>
+          </a:xfrm>
+          <a:prstGeom prst="rect">
+            <a:avLst/>
+          </a:prstGeom>
+          <a:noFill/>
+          <a:extLst>
+            <a:ext uri="{909E8E84-426E-40DD-AFC4-6F175D3DCCD1}">
+              <a14:hiddenFill xmlns:a14="http://schemas.microsoft.com/office/drawing/2010/main">
+                <a:solidFill>
+                  <a:srgbClr val="FFFFFF"/>
+                </a:solidFill>
+              </a14:hiddenFill>
+            </a:ext>
+          </a:extLst>
+        </p:spPr>
+      </p:pic>
     </p:spTree>
     <p:extLst>
       <p:ext uri="{BB962C8B-B14F-4D97-AF65-F5344CB8AC3E}">
-        <p14:creationId xmlns:p14="http://schemas.microsoft.com/office/powerpoint/2010/main" val="4215479072"/>
+        <p14:creationId xmlns:p14="http://schemas.microsoft.com/office/powerpoint/2010/main" val="1933360464"/>
       </p:ext>
     </p:extLst>
   </p:cSld>
@@ -4258,7 +3698,7 @@
 </p:sld>
 </file>
 
-<file path=ppt/slides/slide4.xml><?xml version="1.0" encoding="utf-8"?>
+<file path=ppt/slides/slide14.xml><?xml version="1.0" encoding="utf-8"?>
 <p:sld xmlns:a="http://schemas.openxmlformats.org/drawingml/2006/main" xmlns:r="http://schemas.openxmlformats.org/officeDocument/2006/relationships" xmlns:p="http://schemas.openxmlformats.org/presentationml/2006/main">
   <p:cSld>
     <p:spTree>
@@ -4277,6 +3717,932 @@
       </p:grpSpPr>
       <p:sp>
         <p:nvSpPr>
+          <p:cNvPr id="2" name="Título 1"/>
+          <p:cNvSpPr>
+            <a:spLocks noGrp="1"/>
+          </p:cNvSpPr>
+          <p:nvPr>
+            <p:ph type="title"/>
+          </p:nvPr>
+        </p:nvSpPr>
+        <p:spPr/>
+        <p:txBody>
+          <a:bodyPr/>
+          <a:lstStyle/>
+          <a:p>
+            <a:r>
+              <a:rPr lang="pt-BR" dirty="0"/>
+              <a:t>Documentação</a:t>
+            </a:r>
+          </a:p>
+        </p:txBody>
+      </p:sp>
+      <p:pic>
+        <p:nvPicPr>
+          <p:cNvPr id="4" name="Espaço Reservado para Conteúdo 3"/>
+          <p:cNvPicPr>
+            <a:picLocks noGrp="1" noChangeAspect="1"/>
+          </p:cNvPicPr>
+          <p:nvPr>
+            <p:ph idx="1"/>
+          </p:nvPr>
+        </p:nvPicPr>
+        <p:blipFill>
+          <a:blip r:embed="rId2"/>
+          <a:stretch>
+            <a:fillRect/>
+          </a:stretch>
+        </p:blipFill>
+        <p:spPr>
+          <a:xfrm>
+            <a:off x="5625938" y="215188"/>
+            <a:ext cx="6321474" cy="6308441"/>
+          </a:xfrm>
+          <a:prstGeom prst="rect">
+            <a:avLst/>
+          </a:prstGeom>
+          <a:ln>
+            <a:noFill/>
+          </a:ln>
+          <a:effectLst>
+            <a:outerShdw blurRad="292100" dist="139700" dir="2700000" algn="tl" rotWithShape="0">
+              <a:srgbClr val="333333">
+                <a:alpha val="65000"/>
+              </a:srgbClr>
+            </a:outerShdw>
+          </a:effectLst>
+        </p:spPr>
+      </p:pic>
+      <p:pic>
+        <p:nvPicPr>
+          <p:cNvPr id="5" name="Picture 2" descr="http://www.escoladegestao.pr.gov.br/arquivos/Image/2014/Logo_Parceiros_PR-Formar/UNICESUMAR/tn_600_580_unicesumar.JPG"/>
+          <p:cNvPicPr>
+            <a:picLocks noChangeAspect="1" noChangeArrowheads="1"/>
+          </p:cNvPicPr>
+          <p:nvPr/>
+        </p:nvPicPr>
+        <p:blipFill>
+          <a:blip r:embed="rId3" cstate="print">
+            <a:extLst>
+              <a:ext uri="{28A0092B-C50C-407E-A947-70E740481C1C}">
+                <a14:useLocalDpi xmlns:a14="http://schemas.microsoft.com/office/drawing/2010/main" val="0"/>
+              </a:ext>
+            </a:extLst>
+          </a:blip>
+          <a:srcRect/>
+          <a:stretch>
+            <a:fillRect/>
+          </a:stretch>
+        </p:blipFill>
+        <p:spPr bwMode="auto">
+          <a:xfrm>
+            <a:off x="612372" y="5287174"/>
+            <a:ext cx="1850646" cy="906817"/>
+          </a:xfrm>
+          <a:prstGeom prst="rect">
+            <a:avLst/>
+          </a:prstGeom>
+          <a:noFill/>
+          <a:extLst>
+            <a:ext uri="{909E8E84-426E-40DD-AFC4-6F175D3DCCD1}">
+              <a14:hiddenFill xmlns:a14="http://schemas.microsoft.com/office/drawing/2010/main">
+                <a:solidFill>
+                  <a:srgbClr val="FFFFFF"/>
+                </a:solidFill>
+              </a14:hiddenFill>
+            </a:ext>
+          </a:extLst>
+        </p:spPr>
+      </p:pic>
+    </p:spTree>
+    <p:extLst>
+      <p:ext uri="{BB962C8B-B14F-4D97-AF65-F5344CB8AC3E}">
+        <p14:creationId xmlns:p14="http://schemas.microsoft.com/office/powerpoint/2010/main" val="669499858"/>
+      </p:ext>
+    </p:extLst>
+  </p:cSld>
+  <p:clrMapOvr>
+    <a:masterClrMapping/>
+  </p:clrMapOvr>
+</p:sld>
+</file>
+
+<file path=ppt/slides/slide15.xml><?xml version="1.0" encoding="utf-8"?>
+<p:sld xmlns:a="http://schemas.openxmlformats.org/drawingml/2006/main" xmlns:r="http://schemas.openxmlformats.org/officeDocument/2006/relationships" xmlns:p="http://schemas.openxmlformats.org/presentationml/2006/main">
+  <p:cSld>
+    <p:spTree>
+      <p:nvGrpSpPr>
+        <p:cNvPr id="1" name=""/>
+        <p:cNvGrpSpPr/>
+        <p:nvPr/>
+      </p:nvGrpSpPr>
+      <p:grpSpPr>
+        <a:xfrm>
+          <a:off x="0" y="0"/>
+          <a:ext cx="0" cy="0"/>
+          <a:chOff x="0" y="0"/>
+          <a:chExt cx="0" cy="0"/>
+        </a:xfrm>
+      </p:grpSpPr>
+      <p:sp>
+        <p:nvSpPr>
+          <p:cNvPr id="2" name="Título 1"/>
+          <p:cNvSpPr>
+            <a:spLocks noGrp="1"/>
+          </p:cNvSpPr>
+          <p:nvPr>
+            <p:ph type="title"/>
+          </p:nvPr>
+        </p:nvSpPr>
+        <p:spPr/>
+        <p:txBody>
+          <a:bodyPr/>
+          <a:lstStyle/>
+          <a:p>
+            <a:r>
+              <a:rPr lang="pt-BR" dirty="0"/>
+              <a:t>Exercício – Sistema de Controle de Cinema</a:t>
+            </a:r>
+          </a:p>
+        </p:txBody>
+      </p:sp>
+      <p:sp>
+        <p:nvSpPr>
+          <p:cNvPr id="3" name="Espaço Reservado para Conteúdo 2"/>
+          <p:cNvSpPr>
+            <a:spLocks noGrp="1"/>
+          </p:cNvSpPr>
+          <p:nvPr>
+            <p:ph idx="1"/>
+          </p:nvPr>
+        </p:nvSpPr>
+        <p:spPr/>
+        <p:txBody>
+          <a:bodyPr>
+            <a:normAutofit fontScale="85000" lnSpcReduction="20000"/>
+          </a:bodyPr>
+          <a:lstStyle/>
+          <a:p>
+            <a:pPr marL="0" indent="0">
+              <a:buNone/>
+            </a:pPr>
+            <a:r>
+              <a:rPr lang="pt-BR" dirty="0"/>
+              <a:t>Desenvolva o diagrama de caso de uso para um sistema de controle de cinema, sabendo que:</a:t>
+            </a:r>
+          </a:p>
+          <a:p>
+            <a:r>
+              <a:rPr lang="pt-BR" dirty="0"/>
+              <a:t>Um cinema pode ter muitas salas, sendo necessário registrar informações a respeito de cada uma, como a sua capacidade.</a:t>
+            </a:r>
+          </a:p>
+          <a:p>
+            <a:r>
+              <a:rPr lang="pt-BR" dirty="0"/>
+              <a:t>O cinema apresenta muitos filmes, Um filme tem informações como título e duração. Sempre que um filme for apresentado, deve-se registrá-lo também.</a:t>
+            </a:r>
+          </a:p>
+          <a:p>
+            <a:r>
+              <a:rPr lang="pt-BR" dirty="0"/>
+              <a:t>Um mesmo filme pode ser apresentado em diferentes salas em diferentes horários. Cada apresentação em uma determinada sala e horário é chamada de Sessão. </a:t>
+            </a:r>
+          </a:p>
+          <a:p>
+            <a:r>
+              <a:rPr lang="pt-BR" dirty="0"/>
+              <a:t>Os clientes do cinema podem comprar ingressos para assistir a um sessão. O funcionário deve intermediar a compra do ingresso. Um cliente só pode comprar ingressos para sessões ainda não encerradas. </a:t>
+            </a:r>
+          </a:p>
+          <a:p>
+            <a:r>
+              <a:rPr lang="pt-BR" dirty="0"/>
+              <a:t>O cinema oferece meia entrada para idosos e crianças.</a:t>
+            </a:r>
+          </a:p>
+        </p:txBody>
+      </p:sp>
+      <p:pic>
+        <p:nvPicPr>
+          <p:cNvPr id="4" name="Picture 2" descr="http://www.escoladegestao.pr.gov.br/arquivos/Image/2014/Logo_Parceiros_PR-Formar/UNICESUMAR/tn_600_580_unicesumar.JPG"/>
+          <p:cNvPicPr>
+            <a:picLocks noChangeAspect="1" noChangeArrowheads="1"/>
+          </p:cNvPicPr>
+          <p:nvPr/>
+        </p:nvPicPr>
+        <p:blipFill>
+          <a:blip r:embed="rId2" cstate="print">
+            <a:extLst>
+              <a:ext uri="{28A0092B-C50C-407E-A947-70E740481C1C}">
+                <a14:useLocalDpi xmlns:a14="http://schemas.microsoft.com/office/drawing/2010/main" val="0"/>
+              </a:ext>
+            </a:extLst>
+          </a:blip>
+          <a:srcRect/>
+          <a:stretch>
+            <a:fillRect/>
+          </a:stretch>
+        </p:blipFill>
+        <p:spPr bwMode="auto">
+          <a:xfrm>
+            <a:off x="9503154" y="5596664"/>
+            <a:ext cx="1850646" cy="906817"/>
+          </a:xfrm>
+          <a:prstGeom prst="rect">
+            <a:avLst/>
+          </a:prstGeom>
+          <a:noFill/>
+          <a:extLst>
+            <a:ext uri="{909E8E84-426E-40DD-AFC4-6F175D3DCCD1}">
+              <a14:hiddenFill xmlns:a14="http://schemas.microsoft.com/office/drawing/2010/main">
+                <a:solidFill>
+                  <a:srgbClr val="FFFFFF"/>
+                </a:solidFill>
+              </a14:hiddenFill>
+            </a:ext>
+          </a:extLst>
+        </p:spPr>
+      </p:pic>
+    </p:spTree>
+    <p:extLst>
+      <p:ext uri="{BB962C8B-B14F-4D97-AF65-F5344CB8AC3E}">
+        <p14:creationId xmlns:p14="http://schemas.microsoft.com/office/powerpoint/2010/main" val="2656975448"/>
+      </p:ext>
+    </p:extLst>
+  </p:cSld>
+  <p:clrMapOvr>
+    <a:masterClrMapping/>
+  </p:clrMapOvr>
+</p:sld>
+</file>
+
+<file path=ppt/slides/slide16.xml><?xml version="1.0" encoding="utf-8"?>
+<p:sld xmlns:a="http://schemas.openxmlformats.org/drawingml/2006/main" xmlns:r="http://schemas.openxmlformats.org/officeDocument/2006/relationships" xmlns:p="http://schemas.openxmlformats.org/presentationml/2006/main">
+  <p:cSld>
+    <p:spTree>
+      <p:nvGrpSpPr>
+        <p:cNvPr id="1" name=""/>
+        <p:cNvGrpSpPr/>
+        <p:nvPr/>
+      </p:nvGrpSpPr>
+      <p:grpSpPr>
+        <a:xfrm>
+          <a:off x="0" y="0"/>
+          <a:ext cx="0" cy="0"/>
+          <a:chOff x="0" y="0"/>
+          <a:chExt cx="0" cy="0"/>
+        </a:xfrm>
+      </p:grpSpPr>
+      <p:sp>
+        <p:nvSpPr>
+          <p:cNvPr id="2" name="Título 1"/>
+          <p:cNvSpPr>
+            <a:spLocks noGrp="1"/>
+          </p:cNvSpPr>
+          <p:nvPr>
+            <p:ph type="title"/>
+          </p:nvPr>
+        </p:nvSpPr>
+        <p:spPr/>
+        <p:txBody>
+          <a:bodyPr/>
+          <a:lstStyle/>
+          <a:p>
+            <a:r>
+              <a:rPr lang="pt-BR" dirty="0"/>
+              <a:t>Diagrama de Classes</a:t>
+            </a:r>
+          </a:p>
+        </p:txBody>
+      </p:sp>
+      <p:sp>
+        <p:nvSpPr>
+          <p:cNvPr id="3" name="Espaço Reservado para Conteúdo 2"/>
+          <p:cNvSpPr>
+            <a:spLocks noGrp="1"/>
+          </p:cNvSpPr>
+          <p:nvPr>
+            <p:ph idx="1"/>
+          </p:nvPr>
+        </p:nvSpPr>
+        <p:spPr/>
+        <p:txBody>
+          <a:bodyPr/>
+          <a:lstStyle/>
+          <a:p>
+            <a:endParaRPr lang="pt-BR"/>
+          </a:p>
+        </p:txBody>
+      </p:sp>
+      <p:pic>
+        <p:nvPicPr>
+          <p:cNvPr id="4" name="Picture 2" descr="http://www.escoladegestao.pr.gov.br/arquivos/Image/2014/Logo_Parceiros_PR-Formar/UNICESUMAR/tn_600_580_unicesumar.JPG"/>
+          <p:cNvPicPr>
+            <a:picLocks noChangeAspect="1" noChangeArrowheads="1"/>
+          </p:cNvPicPr>
+          <p:nvPr/>
+        </p:nvPicPr>
+        <p:blipFill>
+          <a:blip r:embed="rId2" cstate="print">
+            <a:extLst>
+              <a:ext uri="{28A0092B-C50C-407E-A947-70E740481C1C}">
+                <a14:useLocalDpi xmlns:a14="http://schemas.microsoft.com/office/drawing/2010/main" val="0"/>
+              </a:ext>
+            </a:extLst>
+          </a:blip>
+          <a:srcRect/>
+          <a:stretch>
+            <a:fillRect/>
+          </a:stretch>
+        </p:blipFill>
+        <p:spPr bwMode="auto">
+          <a:xfrm>
+            <a:off x="9503154" y="574497"/>
+            <a:ext cx="1850646" cy="906817"/>
+          </a:xfrm>
+          <a:prstGeom prst="rect">
+            <a:avLst/>
+          </a:prstGeom>
+          <a:noFill/>
+          <a:extLst>
+            <a:ext uri="{909E8E84-426E-40DD-AFC4-6F175D3DCCD1}">
+              <a14:hiddenFill xmlns:a14="http://schemas.microsoft.com/office/drawing/2010/main">
+                <a:solidFill>
+                  <a:srgbClr val="FFFFFF"/>
+                </a:solidFill>
+              </a14:hiddenFill>
+            </a:ext>
+          </a:extLst>
+        </p:spPr>
+      </p:pic>
+    </p:spTree>
+    <p:extLst>
+      <p:ext uri="{BB962C8B-B14F-4D97-AF65-F5344CB8AC3E}">
+        <p14:creationId xmlns:p14="http://schemas.microsoft.com/office/powerpoint/2010/main" val="1232939537"/>
+      </p:ext>
+    </p:extLst>
+  </p:cSld>
+  <p:clrMapOvr>
+    <a:masterClrMapping/>
+  </p:clrMapOvr>
+</p:sld>
+</file>
+
+<file path=ppt/slides/slide17.xml><?xml version="1.0" encoding="utf-8"?>
+<p:sld xmlns:a="http://schemas.openxmlformats.org/drawingml/2006/main" xmlns:r="http://schemas.openxmlformats.org/officeDocument/2006/relationships" xmlns:p="http://schemas.openxmlformats.org/presentationml/2006/main">
+  <p:cSld>
+    <p:spTree>
+      <p:nvGrpSpPr>
+        <p:cNvPr id="1" name=""/>
+        <p:cNvGrpSpPr/>
+        <p:nvPr/>
+      </p:nvGrpSpPr>
+      <p:grpSpPr>
+        <a:xfrm>
+          <a:off x="0" y="0"/>
+          <a:ext cx="0" cy="0"/>
+          <a:chOff x="0" y="0"/>
+          <a:chExt cx="0" cy="0"/>
+        </a:xfrm>
+      </p:grpSpPr>
+      <p:sp>
+        <p:nvSpPr>
+          <p:cNvPr id="2" name="Título 1"/>
+          <p:cNvSpPr>
+            <a:spLocks noGrp="1"/>
+          </p:cNvSpPr>
+          <p:nvPr>
+            <p:ph type="title"/>
+          </p:nvPr>
+        </p:nvSpPr>
+        <p:spPr/>
+        <p:txBody>
+          <a:bodyPr/>
+          <a:lstStyle/>
+          <a:p>
+            <a:r>
+              <a:rPr lang="pt-BR" dirty="0"/>
+              <a:t>Atributos e Métodos</a:t>
+            </a:r>
+          </a:p>
+        </p:txBody>
+      </p:sp>
+      <p:sp>
+        <p:nvSpPr>
+          <p:cNvPr id="3" name="Espaço Reservado para Conteúdo 2"/>
+          <p:cNvSpPr>
+            <a:spLocks noGrp="1"/>
+          </p:cNvSpPr>
+          <p:nvPr>
+            <p:ph idx="1"/>
+          </p:nvPr>
+        </p:nvSpPr>
+        <p:spPr/>
+        <p:txBody>
+          <a:bodyPr/>
+          <a:lstStyle/>
+          <a:p>
+            <a:endParaRPr lang="pt-BR"/>
+          </a:p>
+        </p:txBody>
+      </p:sp>
+      <p:pic>
+        <p:nvPicPr>
+          <p:cNvPr id="4" name="Picture 2" descr="http://www.escoladegestao.pr.gov.br/arquivos/Image/2014/Logo_Parceiros_PR-Formar/UNICESUMAR/tn_600_580_unicesumar.JPG"/>
+          <p:cNvPicPr>
+            <a:picLocks noChangeAspect="1" noChangeArrowheads="1"/>
+          </p:cNvPicPr>
+          <p:nvPr/>
+        </p:nvPicPr>
+        <p:blipFill>
+          <a:blip r:embed="rId2" cstate="print">
+            <a:extLst>
+              <a:ext uri="{28A0092B-C50C-407E-A947-70E740481C1C}">
+                <a14:useLocalDpi xmlns:a14="http://schemas.microsoft.com/office/drawing/2010/main" val="0"/>
+              </a:ext>
+            </a:extLst>
+          </a:blip>
+          <a:srcRect/>
+          <a:stretch>
+            <a:fillRect/>
+          </a:stretch>
+        </p:blipFill>
+        <p:spPr bwMode="auto">
+          <a:xfrm>
+            <a:off x="9503154" y="574497"/>
+            <a:ext cx="1850646" cy="906817"/>
+          </a:xfrm>
+          <a:prstGeom prst="rect">
+            <a:avLst/>
+          </a:prstGeom>
+          <a:noFill/>
+          <a:extLst>
+            <a:ext uri="{909E8E84-426E-40DD-AFC4-6F175D3DCCD1}">
+              <a14:hiddenFill xmlns:a14="http://schemas.microsoft.com/office/drawing/2010/main">
+                <a:solidFill>
+                  <a:srgbClr val="FFFFFF"/>
+                </a:solidFill>
+              </a14:hiddenFill>
+            </a:ext>
+          </a:extLst>
+        </p:spPr>
+      </p:pic>
+    </p:spTree>
+    <p:extLst>
+      <p:ext uri="{BB962C8B-B14F-4D97-AF65-F5344CB8AC3E}">
+        <p14:creationId xmlns:p14="http://schemas.microsoft.com/office/powerpoint/2010/main" val="1487582797"/>
+      </p:ext>
+    </p:extLst>
+  </p:cSld>
+  <p:clrMapOvr>
+    <a:masterClrMapping/>
+  </p:clrMapOvr>
+</p:sld>
+</file>
+
+<file path=ppt/slides/slide18.xml><?xml version="1.0" encoding="utf-8"?>
+<p:sld xmlns:a="http://schemas.openxmlformats.org/drawingml/2006/main" xmlns:r="http://schemas.openxmlformats.org/officeDocument/2006/relationships" xmlns:p="http://schemas.openxmlformats.org/presentationml/2006/main">
+  <p:cSld>
+    <p:spTree>
+      <p:nvGrpSpPr>
+        <p:cNvPr id="1" name=""/>
+        <p:cNvGrpSpPr/>
+        <p:nvPr/>
+      </p:nvGrpSpPr>
+      <p:grpSpPr>
+        <a:xfrm>
+          <a:off x="0" y="0"/>
+          <a:ext cx="0" cy="0"/>
+          <a:chOff x="0" y="0"/>
+          <a:chExt cx="0" cy="0"/>
+        </a:xfrm>
+      </p:grpSpPr>
+      <p:sp>
+        <p:nvSpPr>
+          <p:cNvPr id="2" name="Título 1"/>
+          <p:cNvSpPr>
+            <a:spLocks noGrp="1"/>
+          </p:cNvSpPr>
+          <p:nvPr>
+            <p:ph type="title"/>
+          </p:nvPr>
+        </p:nvSpPr>
+        <p:spPr/>
+        <p:txBody>
+          <a:bodyPr/>
+          <a:lstStyle/>
+          <a:p>
+            <a:r>
+              <a:rPr lang="pt-BR" dirty="0"/>
+              <a:t>Visibilidade</a:t>
+            </a:r>
+          </a:p>
+        </p:txBody>
+      </p:sp>
+      <p:sp>
+        <p:nvSpPr>
+          <p:cNvPr id="3" name="Espaço Reservado para Conteúdo 2"/>
+          <p:cNvSpPr>
+            <a:spLocks noGrp="1"/>
+          </p:cNvSpPr>
+          <p:nvPr>
+            <p:ph idx="1"/>
+          </p:nvPr>
+        </p:nvSpPr>
+        <p:spPr/>
+        <p:txBody>
+          <a:bodyPr/>
+          <a:lstStyle/>
+          <a:p>
+            <a:endParaRPr lang="pt-BR"/>
+          </a:p>
+        </p:txBody>
+      </p:sp>
+      <p:pic>
+        <p:nvPicPr>
+          <p:cNvPr id="4" name="Picture 2" descr="http://www.escoladegestao.pr.gov.br/arquivos/Image/2014/Logo_Parceiros_PR-Formar/UNICESUMAR/tn_600_580_unicesumar.JPG"/>
+          <p:cNvPicPr>
+            <a:picLocks noChangeAspect="1" noChangeArrowheads="1"/>
+          </p:cNvPicPr>
+          <p:nvPr/>
+        </p:nvPicPr>
+        <p:blipFill>
+          <a:blip r:embed="rId2" cstate="print">
+            <a:extLst>
+              <a:ext uri="{28A0092B-C50C-407E-A947-70E740481C1C}">
+                <a14:useLocalDpi xmlns:a14="http://schemas.microsoft.com/office/drawing/2010/main" val="0"/>
+              </a:ext>
+            </a:extLst>
+          </a:blip>
+          <a:srcRect/>
+          <a:stretch>
+            <a:fillRect/>
+          </a:stretch>
+        </p:blipFill>
+        <p:spPr bwMode="auto">
+          <a:xfrm>
+            <a:off x="9503154" y="574497"/>
+            <a:ext cx="1850646" cy="906817"/>
+          </a:xfrm>
+          <a:prstGeom prst="rect">
+            <a:avLst/>
+          </a:prstGeom>
+          <a:noFill/>
+          <a:extLst>
+            <a:ext uri="{909E8E84-426E-40DD-AFC4-6F175D3DCCD1}">
+              <a14:hiddenFill xmlns:a14="http://schemas.microsoft.com/office/drawing/2010/main">
+                <a:solidFill>
+                  <a:srgbClr val="FFFFFF"/>
+                </a:solidFill>
+              </a14:hiddenFill>
+            </a:ext>
+          </a:extLst>
+        </p:spPr>
+      </p:pic>
+    </p:spTree>
+    <p:extLst>
+      <p:ext uri="{BB962C8B-B14F-4D97-AF65-F5344CB8AC3E}">
+        <p14:creationId xmlns:p14="http://schemas.microsoft.com/office/powerpoint/2010/main" val="2864600593"/>
+      </p:ext>
+    </p:extLst>
+  </p:cSld>
+  <p:clrMapOvr>
+    <a:masterClrMapping/>
+  </p:clrMapOvr>
+</p:sld>
+</file>
+
+<file path=ppt/slides/slide19.xml><?xml version="1.0" encoding="utf-8"?>
+<p:sld xmlns:a="http://schemas.openxmlformats.org/drawingml/2006/main" xmlns:r="http://schemas.openxmlformats.org/officeDocument/2006/relationships" xmlns:p="http://schemas.openxmlformats.org/presentationml/2006/main">
+  <p:cSld>
+    <p:spTree>
+      <p:nvGrpSpPr>
+        <p:cNvPr id="1" name=""/>
+        <p:cNvGrpSpPr/>
+        <p:nvPr/>
+      </p:nvGrpSpPr>
+      <p:grpSpPr>
+        <a:xfrm>
+          <a:off x="0" y="0"/>
+          <a:ext cx="0" cy="0"/>
+          <a:chOff x="0" y="0"/>
+          <a:chExt cx="0" cy="0"/>
+        </a:xfrm>
+      </p:grpSpPr>
+      <p:sp>
+        <p:nvSpPr>
+          <p:cNvPr id="2" name="Título 1"/>
+          <p:cNvSpPr>
+            <a:spLocks noGrp="1"/>
+          </p:cNvSpPr>
+          <p:nvPr>
+            <p:ph type="title"/>
+          </p:nvPr>
+        </p:nvSpPr>
+        <p:spPr/>
+        <p:txBody>
+          <a:bodyPr/>
+          <a:lstStyle/>
+          <a:p>
+            <a:r>
+              <a:rPr lang="pt-BR" dirty="0"/>
+              <a:t>Código Correspondente</a:t>
+            </a:r>
+          </a:p>
+        </p:txBody>
+      </p:sp>
+      <p:sp>
+        <p:nvSpPr>
+          <p:cNvPr id="3" name="Espaço Reservado para Conteúdo 2"/>
+          <p:cNvSpPr>
+            <a:spLocks noGrp="1"/>
+          </p:cNvSpPr>
+          <p:nvPr>
+            <p:ph idx="1"/>
+          </p:nvPr>
+        </p:nvSpPr>
+        <p:spPr/>
+        <p:txBody>
+          <a:bodyPr/>
+          <a:lstStyle/>
+          <a:p>
+            <a:endParaRPr lang="pt-BR"/>
+          </a:p>
+        </p:txBody>
+      </p:sp>
+      <p:pic>
+        <p:nvPicPr>
+          <p:cNvPr id="4" name="Picture 2" descr="http://www.escoladegestao.pr.gov.br/arquivos/Image/2014/Logo_Parceiros_PR-Formar/UNICESUMAR/tn_600_580_unicesumar.JPG"/>
+          <p:cNvPicPr>
+            <a:picLocks noChangeAspect="1" noChangeArrowheads="1"/>
+          </p:cNvPicPr>
+          <p:nvPr/>
+        </p:nvPicPr>
+        <p:blipFill>
+          <a:blip r:embed="rId2" cstate="print">
+            <a:extLst>
+              <a:ext uri="{28A0092B-C50C-407E-A947-70E740481C1C}">
+                <a14:useLocalDpi xmlns:a14="http://schemas.microsoft.com/office/drawing/2010/main" val="0"/>
+              </a:ext>
+            </a:extLst>
+          </a:blip>
+          <a:srcRect/>
+          <a:stretch>
+            <a:fillRect/>
+          </a:stretch>
+        </p:blipFill>
+        <p:spPr bwMode="auto">
+          <a:xfrm>
+            <a:off x="9503154" y="574497"/>
+            <a:ext cx="1850646" cy="906817"/>
+          </a:xfrm>
+          <a:prstGeom prst="rect">
+            <a:avLst/>
+          </a:prstGeom>
+          <a:noFill/>
+          <a:extLst>
+            <a:ext uri="{909E8E84-426E-40DD-AFC4-6F175D3DCCD1}">
+              <a14:hiddenFill xmlns:a14="http://schemas.microsoft.com/office/drawing/2010/main">
+                <a:solidFill>
+                  <a:srgbClr val="FFFFFF"/>
+                </a:solidFill>
+              </a14:hiddenFill>
+            </a:ext>
+          </a:extLst>
+        </p:spPr>
+      </p:pic>
+    </p:spTree>
+    <p:extLst>
+      <p:ext uri="{BB962C8B-B14F-4D97-AF65-F5344CB8AC3E}">
+        <p14:creationId xmlns:p14="http://schemas.microsoft.com/office/powerpoint/2010/main" val="3972914377"/>
+      </p:ext>
+    </p:extLst>
+  </p:cSld>
+  <p:clrMapOvr>
+    <a:masterClrMapping/>
+  </p:clrMapOvr>
+</p:sld>
+</file>
+
+<file path=ppt/slides/slide2.xml><?xml version="1.0" encoding="utf-8"?>
+<p:sld xmlns:a="http://schemas.openxmlformats.org/drawingml/2006/main" xmlns:r="http://schemas.openxmlformats.org/officeDocument/2006/relationships" xmlns:p="http://schemas.openxmlformats.org/presentationml/2006/main">
+  <p:cSld>
+    <p:spTree>
+      <p:nvGrpSpPr>
+        <p:cNvPr id="1" name=""/>
+        <p:cNvGrpSpPr/>
+        <p:nvPr/>
+      </p:nvGrpSpPr>
+      <p:grpSpPr>
+        <a:xfrm>
+          <a:off x="0" y="0"/>
+          <a:ext cx="0" cy="0"/>
+          <a:chOff x="0" y="0"/>
+          <a:chExt cx="0" cy="0"/>
+        </a:xfrm>
+      </p:grpSpPr>
+      <p:sp>
+        <p:nvSpPr>
+          <p:cNvPr id="2" name="Título 1"/>
+          <p:cNvSpPr>
+            <a:spLocks noGrp="1"/>
+          </p:cNvSpPr>
+          <p:nvPr>
+            <p:ph type="title"/>
+          </p:nvPr>
+        </p:nvSpPr>
+        <p:spPr/>
+        <p:txBody>
+          <a:bodyPr/>
+          <a:lstStyle/>
+          <a:p>
+            <a:r>
+              <a:rPr lang="pt-BR" dirty="0"/>
+              <a:t>Resumo</a:t>
+            </a:r>
+          </a:p>
+        </p:txBody>
+      </p:sp>
+      <p:sp>
+        <p:nvSpPr>
+          <p:cNvPr id="3" name="Espaço Reservado para Conteúdo 2"/>
+          <p:cNvSpPr>
+            <a:spLocks noGrp="1"/>
+          </p:cNvSpPr>
+          <p:nvPr>
+            <p:ph sz="half" idx="1"/>
+          </p:nvPr>
+        </p:nvSpPr>
+        <p:spPr/>
+        <p:txBody>
+          <a:bodyPr/>
+          <a:lstStyle/>
+          <a:p>
+            <a:r>
+              <a:rPr lang="pt-BR" dirty="0"/>
+              <a:t>Resolução dos exercícios</a:t>
+            </a:r>
+          </a:p>
+          <a:p>
+            <a:r>
+              <a:rPr lang="pt-BR" dirty="0"/>
+              <a:t>Notas adicionais</a:t>
+            </a:r>
+          </a:p>
+          <a:p>
+            <a:pPr lvl="1"/>
+            <a:r>
+              <a:rPr lang="pt-BR" dirty="0"/>
+              <a:t>Inclusão x Extensão</a:t>
+            </a:r>
+          </a:p>
+          <a:p>
+            <a:pPr lvl="1"/>
+            <a:r>
+              <a:rPr lang="pt-BR" dirty="0"/>
+              <a:t>Pontos de extensão</a:t>
+            </a:r>
+          </a:p>
+          <a:p>
+            <a:pPr lvl="1"/>
+            <a:r>
+              <a:rPr lang="pt-BR" dirty="0"/>
+              <a:t>Multiplicidade</a:t>
+            </a:r>
+          </a:p>
+          <a:p>
+            <a:pPr lvl="1"/>
+            <a:r>
+              <a:rPr lang="pt-BR" dirty="0"/>
+              <a:t>Fronteira do Sistema</a:t>
+            </a:r>
+          </a:p>
+          <a:p>
+            <a:pPr lvl="1"/>
+            <a:r>
+              <a:rPr lang="pt-BR" dirty="0"/>
+              <a:t>Documentação</a:t>
+            </a:r>
+          </a:p>
+        </p:txBody>
+      </p:sp>
+      <p:sp>
+        <p:nvSpPr>
+          <p:cNvPr id="5" name="Espaço Reservado para Conteúdo 4"/>
+          <p:cNvSpPr>
+            <a:spLocks noGrp="1"/>
+          </p:cNvSpPr>
+          <p:nvPr>
+            <p:ph sz="half" idx="2"/>
+          </p:nvPr>
+        </p:nvSpPr>
+        <p:spPr/>
+        <p:txBody>
+          <a:bodyPr/>
+          <a:lstStyle/>
+          <a:p>
+            <a:r>
+              <a:rPr lang="pt-BR" dirty="0"/>
+              <a:t>Diagrama de Classes </a:t>
+            </a:r>
+          </a:p>
+          <a:p>
+            <a:pPr lvl="1"/>
+            <a:r>
+              <a:rPr lang="pt-BR" dirty="0"/>
+              <a:t>Atributos e métodos</a:t>
+            </a:r>
+          </a:p>
+          <a:p>
+            <a:pPr lvl="1"/>
+            <a:r>
+              <a:rPr lang="pt-BR" dirty="0"/>
+              <a:t>Visibilidade</a:t>
+            </a:r>
+          </a:p>
+          <a:p>
+            <a:pPr lvl="1"/>
+            <a:r>
+              <a:rPr lang="pt-BR" dirty="0"/>
+              <a:t>Código correspondente</a:t>
+            </a:r>
+          </a:p>
+        </p:txBody>
+      </p:sp>
+      <p:pic>
+        <p:nvPicPr>
+          <p:cNvPr id="2050" name="Picture 2" descr="http://www.escoladegestao.pr.gov.br/arquivos/Image/2014/Logo_Parceiros_PR-Formar/UNICESUMAR/tn_600_580_unicesumar.JPG"/>
+          <p:cNvPicPr>
+            <a:picLocks noChangeAspect="1" noChangeArrowheads="1"/>
+          </p:cNvPicPr>
+          <p:nvPr/>
+        </p:nvPicPr>
+        <p:blipFill>
+          <a:blip r:embed="rId2" cstate="print">
+            <a:extLst>
+              <a:ext uri="{28A0092B-C50C-407E-A947-70E740481C1C}">
+                <a14:useLocalDpi xmlns:a14="http://schemas.microsoft.com/office/drawing/2010/main" val="0"/>
+              </a:ext>
+            </a:extLst>
+          </a:blip>
+          <a:srcRect/>
+          <a:stretch>
+            <a:fillRect/>
+          </a:stretch>
+        </p:blipFill>
+        <p:spPr bwMode="auto">
+          <a:xfrm>
+            <a:off x="9503154" y="574497"/>
+            <a:ext cx="1850646" cy="906817"/>
+          </a:xfrm>
+          <a:prstGeom prst="rect">
+            <a:avLst/>
+          </a:prstGeom>
+          <a:noFill/>
+          <a:extLst>
+            <a:ext uri="{909E8E84-426E-40DD-AFC4-6F175D3DCCD1}">
+              <a14:hiddenFill xmlns:a14="http://schemas.microsoft.com/office/drawing/2010/main">
+                <a:solidFill>
+                  <a:srgbClr val="FFFFFF"/>
+                </a:solidFill>
+              </a14:hiddenFill>
+            </a:ext>
+          </a:extLst>
+        </p:spPr>
+      </p:pic>
+    </p:spTree>
+    <p:extLst>
+      <p:ext uri="{BB962C8B-B14F-4D97-AF65-F5344CB8AC3E}">
+        <p14:creationId xmlns:p14="http://schemas.microsoft.com/office/powerpoint/2010/main" val="2222432684"/>
+      </p:ext>
+    </p:extLst>
+  </p:cSld>
+  <p:clrMapOvr>
+    <a:masterClrMapping/>
+  </p:clrMapOvr>
+</p:sld>
+</file>
+
+<file path=ppt/slides/slide3.xml><?xml version="1.0" encoding="utf-8"?>
+<p:sld xmlns:a="http://schemas.openxmlformats.org/drawingml/2006/main" xmlns:r="http://schemas.openxmlformats.org/officeDocument/2006/relationships" xmlns:p="http://schemas.openxmlformats.org/presentationml/2006/main">
+  <p:cSld>
+    <p:spTree>
+      <p:nvGrpSpPr>
+        <p:cNvPr id="1" name=""/>
+        <p:cNvGrpSpPr/>
+        <p:nvPr/>
+      </p:nvGrpSpPr>
+      <p:grpSpPr>
+        <a:xfrm>
+          <a:off x="0" y="0"/>
+          <a:ext cx="0" cy="0"/>
+          <a:chOff x="0" y="0"/>
+          <a:chExt cx="0" cy="0"/>
+        </a:xfrm>
+      </p:grpSpPr>
+      <p:sp>
+        <p:nvSpPr>
           <p:cNvPr id="6" name="Título 5"/>
           <p:cNvSpPr>
             <a:spLocks noGrp="1"/>
@@ -4297,21 +4663,23 @@
           </a:bodyPr>
           <a:lstStyle/>
           <a:p>
-            <a:r>
-              <a:rPr lang="pt-BR" sz="4000" dirty="0" smtClean="0"/>
-              <a:t>Exercícios: Gestão hospitalar</a:t>
-            </a:r>
-            <a:endParaRPr lang="pt-BR" sz="4000" dirty="0"/>
+            <a:pPr algn="r"/>
+            <a:r>
+              <a:rPr lang="pt-BR" sz="4000" dirty="0"/>
+              <a:t>Exercícios: Locadora de Veículos</a:t>
+            </a:r>
           </a:p>
         </p:txBody>
       </p:sp>
       <p:pic>
         <p:nvPicPr>
-          <p:cNvPr id="3" name="Imagem 2"/>
+          <p:cNvPr id="8" name="Espaço Reservado para Conteúdo 7"/>
           <p:cNvPicPr>
-            <a:picLocks noChangeAspect="1"/>
+            <a:picLocks noGrp="1" noChangeAspect="1"/>
           </p:cNvPicPr>
-          <p:nvPr/>
+          <p:nvPr>
+            <p:ph idx="1"/>
+          </p:nvPr>
         </p:nvPicPr>
         <p:blipFill>
           <a:blip r:embed="rId2">
@@ -4327,8 +4695,8 @@
         </p:blipFill>
         <p:spPr>
           <a:xfrm>
-            <a:off x="4543027" y="0"/>
-            <a:ext cx="7648973" cy="6858000"/>
+            <a:off x="3903261" y="132817"/>
+            <a:ext cx="8288740" cy="6725183"/>
           </a:xfrm>
           <a:prstGeom prst="rect">
             <a:avLst/>
@@ -4365,10 +4733,51 @@
           </a:sp3d>
         </p:spPr>
       </p:pic>
+      <p:pic>
+        <p:nvPicPr>
+          <p:cNvPr id="4" name="Picture 2" descr="http://www.escoladegestao.pr.gov.br/arquivos/Image/2014/Logo_Parceiros_PR-Formar/UNICESUMAR/tn_600_580_unicesumar.JPG"/>
+          <p:cNvPicPr>
+            <a:picLocks noChangeAspect="1" noChangeArrowheads="1"/>
+          </p:cNvPicPr>
+          <p:nvPr/>
+        </p:nvPicPr>
+        <p:blipFill>
+          <a:blip r:embed="rId3" cstate="print">
+            <a:extLst>
+              <a:ext uri="{28A0092B-C50C-407E-A947-70E740481C1C}">
+                <a14:useLocalDpi xmlns:a14="http://schemas.microsoft.com/office/drawing/2010/main" val="0"/>
+              </a:ext>
+            </a:extLst>
+          </a:blip>
+          <a:srcRect/>
+          <a:stretch>
+            <a:fillRect/>
+          </a:stretch>
+        </p:blipFill>
+        <p:spPr bwMode="auto">
+          <a:xfrm>
+            <a:off x="315367" y="365125"/>
+            <a:ext cx="1850646" cy="906817"/>
+          </a:xfrm>
+          <a:prstGeom prst="rect">
+            <a:avLst/>
+          </a:prstGeom>
+          <a:noFill/>
+          <a:extLst>
+            <a:ext uri="{909E8E84-426E-40DD-AFC4-6F175D3DCCD1}">
+              <a14:hiddenFill xmlns:a14="http://schemas.microsoft.com/office/drawing/2010/main">
+                <a:solidFill>
+                  <a:srgbClr val="FFFFFF"/>
+                </a:solidFill>
+              </a14:hiddenFill>
+            </a:ext>
+          </a:extLst>
+        </p:spPr>
+      </p:pic>
     </p:spTree>
     <p:extLst>
       <p:ext uri="{BB962C8B-B14F-4D97-AF65-F5344CB8AC3E}">
-        <p14:creationId xmlns:p14="http://schemas.microsoft.com/office/powerpoint/2010/main" val="1342142140"/>
+        <p14:creationId xmlns:p14="http://schemas.microsoft.com/office/powerpoint/2010/main" val="4215479072"/>
       </p:ext>
     </p:extLst>
   </p:cSld>
@@ -4378,7 +4787,7 @@
 </p:sld>
 </file>
 
-<file path=ppt/slides/slide5.xml><?xml version="1.0" encoding="utf-8"?>
+<file path=ppt/slides/slide4.xml><?xml version="1.0" encoding="utf-8"?>
 <p:sld xmlns:a="http://schemas.openxmlformats.org/drawingml/2006/main" xmlns:r="http://schemas.openxmlformats.org/officeDocument/2006/relationships" xmlns:p="http://schemas.openxmlformats.org/presentationml/2006/main">
   <p:cSld>
     <p:spTree>
@@ -4418,16 +4827,15 @@
           <a:lstStyle/>
           <a:p>
             <a:r>
-              <a:rPr lang="pt-BR" sz="4000" dirty="0" smtClean="0"/>
+              <a:rPr lang="pt-BR" sz="4000" dirty="0"/>
               <a:t>Exercícios: Gestão hospitalar</a:t>
             </a:r>
-            <a:endParaRPr lang="pt-BR" sz="4000" dirty="0"/>
           </a:p>
         </p:txBody>
       </p:sp>
       <p:pic>
         <p:nvPicPr>
-          <p:cNvPr id="2" name="Imagem 1"/>
+          <p:cNvPr id="3" name="Imagem 2"/>
           <p:cNvPicPr>
             <a:picLocks noChangeAspect="1"/>
           </p:cNvPicPr>
@@ -4447,8 +4855,8 @@
         </p:blipFill>
         <p:spPr>
           <a:xfrm>
-            <a:off x="4303059" y="0"/>
-            <a:ext cx="7888941" cy="6858000"/>
+            <a:off x="4543027" y="0"/>
+            <a:ext cx="7648973" cy="6858000"/>
           </a:xfrm>
           <a:prstGeom prst="rect">
             <a:avLst/>
@@ -4485,10 +4893,51 @@
           </a:sp3d>
         </p:spPr>
       </p:pic>
+      <p:pic>
+        <p:nvPicPr>
+          <p:cNvPr id="4" name="Picture 2" descr="http://www.escoladegestao.pr.gov.br/arquivos/Image/2014/Logo_Parceiros_PR-Formar/UNICESUMAR/tn_600_580_unicesumar.JPG"/>
+          <p:cNvPicPr>
+            <a:picLocks noChangeAspect="1" noChangeArrowheads="1"/>
+          </p:cNvPicPr>
+          <p:nvPr/>
+        </p:nvPicPr>
+        <p:blipFill>
+          <a:blip r:embed="rId3" cstate="print">
+            <a:extLst>
+              <a:ext uri="{28A0092B-C50C-407E-A947-70E740481C1C}">
+                <a14:useLocalDpi xmlns:a14="http://schemas.microsoft.com/office/drawing/2010/main" val="0"/>
+              </a:ext>
+            </a:extLst>
+          </a:blip>
+          <a:srcRect/>
+          <a:stretch>
+            <a:fillRect/>
+          </a:stretch>
+        </p:blipFill>
+        <p:spPr bwMode="auto">
+          <a:xfrm>
+            <a:off x="204410" y="365125"/>
+            <a:ext cx="1850646" cy="906817"/>
+          </a:xfrm>
+          <a:prstGeom prst="rect">
+            <a:avLst/>
+          </a:prstGeom>
+          <a:noFill/>
+          <a:extLst>
+            <a:ext uri="{909E8E84-426E-40DD-AFC4-6F175D3DCCD1}">
+              <a14:hiddenFill xmlns:a14="http://schemas.microsoft.com/office/drawing/2010/main">
+                <a:solidFill>
+                  <a:srgbClr val="FFFFFF"/>
+                </a:solidFill>
+              </a14:hiddenFill>
+            </a:ext>
+          </a:extLst>
+        </p:spPr>
+      </p:pic>
     </p:spTree>
     <p:extLst>
       <p:ext uri="{BB962C8B-B14F-4D97-AF65-F5344CB8AC3E}">
-        <p14:creationId xmlns:p14="http://schemas.microsoft.com/office/powerpoint/2010/main" val="4095818918"/>
+        <p14:creationId xmlns:p14="http://schemas.microsoft.com/office/powerpoint/2010/main" val="1342142140"/>
       </p:ext>
     </p:extLst>
   </p:cSld>
@@ -4498,7 +4947,7 @@
 </p:sld>
 </file>
 
-<file path=ppt/slides/slide6.xml><?xml version="1.0" encoding="utf-8"?>
+<file path=ppt/slides/slide5.xml><?xml version="1.0" encoding="utf-8"?>
 <p:sld xmlns:a="http://schemas.openxmlformats.org/drawingml/2006/main" xmlns:r="http://schemas.openxmlformats.org/officeDocument/2006/relationships" xmlns:p="http://schemas.openxmlformats.org/presentationml/2006/main">
   <p:cSld>
     <p:spTree>
@@ -4538,16 +4987,15 @@
           <a:lstStyle/>
           <a:p>
             <a:r>
-              <a:rPr lang="pt-BR" sz="4000" dirty="0" smtClean="0"/>
-              <a:t>Exercícios: Sistema de Hotelaria</a:t>
-            </a:r>
-            <a:endParaRPr lang="pt-BR" sz="4000" dirty="0"/>
+              <a:rPr lang="pt-BR" sz="4000" dirty="0"/>
+              <a:t>Exercícios: Gestão hospitalar</a:t>
+            </a:r>
           </a:p>
         </p:txBody>
       </p:sp>
       <p:pic>
         <p:nvPicPr>
-          <p:cNvPr id="3" name="Imagem 2"/>
+          <p:cNvPr id="2" name="Imagem 1"/>
           <p:cNvPicPr>
             <a:picLocks noChangeAspect="1"/>
           </p:cNvPicPr>
@@ -4567,8 +5015,8 @@
         </p:blipFill>
         <p:spPr>
           <a:xfrm>
-            <a:off x="3887817" y="0"/>
-            <a:ext cx="8304183" cy="6858000"/>
+            <a:off x="4303059" y="0"/>
+            <a:ext cx="7888941" cy="6858000"/>
           </a:xfrm>
           <a:prstGeom prst="rect">
             <a:avLst/>
@@ -4605,10 +5053,51 @@
           </a:sp3d>
         </p:spPr>
       </p:pic>
+      <p:pic>
+        <p:nvPicPr>
+          <p:cNvPr id="4" name="Picture 2" descr="http://www.escoladegestao.pr.gov.br/arquivos/Image/2014/Logo_Parceiros_PR-Formar/UNICESUMAR/tn_600_580_unicesumar.JPG"/>
+          <p:cNvPicPr>
+            <a:picLocks noChangeAspect="1" noChangeArrowheads="1"/>
+          </p:cNvPicPr>
+          <p:nvPr/>
+        </p:nvPicPr>
+        <p:blipFill>
+          <a:blip r:embed="rId3" cstate="print">
+            <a:extLst>
+              <a:ext uri="{28A0092B-C50C-407E-A947-70E740481C1C}">
+                <a14:useLocalDpi xmlns:a14="http://schemas.microsoft.com/office/drawing/2010/main" val="0"/>
+              </a:ext>
+            </a:extLst>
+          </a:blip>
+          <a:srcRect/>
+          <a:stretch>
+            <a:fillRect/>
+          </a:stretch>
+        </p:blipFill>
+        <p:spPr bwMode="auto">
+          <a:xfrm>
+            <a:off x="315367" y="365125"/>
+            <a:ext cx="1850646" cy="906817"/>
+          </a:xfrm>
+          <a:prstGeom prst="rect">
+            <a:avLst/>
+          </a:prstGeom>
+          <a:noFill/>
+          <a:extLst>
+            <a:ext uri="{909E8E84-426E-40DD-AFC4-6F175D3DCCD1}">
+              <a14:hiddenFill xmlns:a14="http://schemas.microsoft.com/office/drawing/2010/main">
+                <a:solidFill>
+                  <a:srgbClr val="FFFFFF"/>
+                </a:solidFill>
+              </a14:hiddenFill>
+            </a:ext>
+          </a:extLst>
+        </p:spPr>
+      </p:pic>
     </p:spTree>
     <p:extLst>
       <p:ext uri="{BB962C8B-B14F-4D97-AF65-F5344CB8AC3E}">
-        <p14:creationId xmlns:p14="http://schemas.microsoft.com/office/powerpoint/2010/main" val="1361339695"/>
+        <p14:creationId xmlns:p14="http://schemas.microsoft.com/office/powerpoint/2010/main" val="4095818918"/>
       </p:ext>
     </p:extLst>
   </p:cSld>
@@ -4618,7 +5107,7 @@
 </p:sld>
 </file>
 
-<file path=ppt/slides/slide7.xml><?xml version="1.0" encoding="utf-8"?>
+<file path=ppt/slides/slide6.xml><?xml version="1.0" encoding="utf-8"?>
 <p:sld xmlns:a="http://schemas.openxmlformats.org/drawingml/2006/main" xmlns:r="http://schemas.openxmlformats.org/officeDocument/2006/relationships" xmlns:p="http://schemas.openxmlformats.org/presentationml/2006/main">
   <p:cSld>
     <p:spTree>
@@ -4637,7 +5126,7 @@
       </p:grpSpPr>
       <p:sp>
         <p:nvSpPr>
-          <p:cNvPr id="2" name="Título 1"/>
+          <p:cNvPr id="6" name="Título 5"/>
           <p:cNvSpPr>
             <a:spLocks noGrp="1"/>
           </p:cNvSpPr>
@@ -4645,125 +5134,49 @@
             <p:ph type="title"/>
           </p:nvPr>
         </p:nvSpPr>
-        <p:spPr/>
-        <p:txBody>
-          <a:bodyPr/>
-          <a:lstStyle/>
-          <a:p>
-            <a:r>
-              <a:rPr lang="pt-BR" dirty="0" smtClean="0"/>
-              <a:t>Inclusão x Extensão</a:t>
-            </a:r>
-            <a:endParaRPr lang="pt-BR" dirty="0"/>
-          </a:p>
-        </p:txBody>
-      </p:sp>
-      <p:sp>
-        <p:nvSpPr>
-          <p:cNvPr id="3" name="Espaço Reservado para Conteúdo 2"/>
-          <p:cNvSpPr>
-            <a:spLocks noGrp="1"/>
-          </p:cNvSpPr>
-          <p:nvPr>
-            <p:ph idx="1"/>
-          </p:nvPr>
-        </p:nvSpPr>
         <p:spPr>
           <a:xfrm>
-            <a:off x="838200" y="1825625"/>
-            <a:ext cx="5740021" cy="4351338"/>
+            <a:off x="838200" y="365125"/>
+            <a:ext cx="2655627" cy="5053036"/>
           </a:xfrm>
         </p:spPr>
         <p:txBody>
           <a:bodyPr>
-            <a:normAutofit fontScale="92500" lnSpcReduction="20000"/>
+            <a:normAutofit/>
           </a:bodyPr>
           <a:lstStyle/>
           <a:p>
-            <a:pPr marL="0" indent="0">
-              <a:buNone/>
-            </a:pPr>
-            <a:r>
-              <a:rPr lang="pt-BR" b="1" dirty="0" smtClean="0">
-                <a:effectLst>
-                  <a:outerShdw blurRad="38100" dist="38100" dir="2700000" algn="tl">
-                    <a:srgbClr val="000000">
-                      <a:alpha val="43137"/>
-                    </a:srgbClr>
-                  </a:outerShdw>
-                </a:effectLst>
-              </a:rPr>
-              <a:t>Inclusão</a:t>
-            </a:r>
-          </a:p>
-          <a:p>
-            <a:r>
-              <a:rPr lang="pt-BR" dirty="0" smtClean="0"/>
-              <a:t>O caso de uso X &lt;&lt;INCLUI&gt;&gt; as funcionalidades do caso de uso Y</a:t>
-            </a:r>
-          </a:p>
-          <a:p>
-            <a:r>
-              <a:rPr lang="pt-BR" dirty="0" smtClean="0"/>
-              <a:t>O resultado de Y altera o comportamento de X</a:t>
-            </a:r>
-          </a:p>
-          <a:p>
-            <a:endParaRPr lang="pt-BR" dirty="0" smtClean="0"/>
-          </a:p>
-          <a:p>
-            <a:endParaRPr lang="pt-BR" dirty="0"/>
-          </a:p>
-          <a:p>
-            <a:pPr marL="0" indent="0">
-              <a:buNone/>
-            </a:pPr>
-            <a:r>
-              <a:rPr lang="pt-BR" b="1" dirty="0" smtClean="0">
-                <a:effectLst>
-                  <a:outerShdw blurRad="38100" dist="38100" dir="2700000" algn="tl">
-                    <a:srgbClr val="000000">
-                      <a:alpha val="43137"/>
-                    </a:srgbClr>
-                  </a:outerShdw>
-                </a:effectLst>
-              </a:rPr>
-              <a:t>Extensão</a:t>
-            </a:r>
-          </a:p>
-          <a:p>
-            <a:r>
-              <a:rPr lang="pt-BR" dirty="0" smtClean="0"/>
-              <a:t>O caso de uso Y &lt;&lt;EXTENDE&gt;&gt; as funcionalidade do caso de uso X</a:t>
-            </a:r>
-          </a:p>
-          <a:p>
-            <a:r>
-              <a:rPr lang="pt-BR" dirty="0" smtClean="0"/>
-              <a:t>O resultado de Y não altera o comportamento de X</a:t>
-            </a:r>
-            <a:endParaRPr lang="pt-BR" dirty="0"/>
+            <a:r>
+              <a:rPr lang="pt-BR" sz="4000" dirty="0"/>
+              <a:t>Exercícios: Sistema de Hotelaria</a:t>
+            </a:r>
           </a:p>
         </p:txBody>
       </p:sp>
       <p:pic>
         <p:nvPicPr>
-          <p:cNvPr id="5" name="Imagem 4"/>
+          <p:cNvPr id="3" name="Imagem 2"/>
           <p:cNvPicPr>
             <a:picLocks noChangeAspect="1"/>
           </p:cNvPicPr>
           <p:nvPr/>
         </p:nvPicPr>
         <p:blipFill>
-          <a:blip r:embed="rId2"/>
+          <a:blip r:embed="rId2">
+            <a:extLst>
+              <a:ext uri="{28A0092B-C50C-407E-A947-70E740481C1C}">
+                <a14:useLocalDpi xmlns:a14="http://schemas.microsoft.com/office/drawing/2010/main" val="0"/>
+              </a:ext>
+            </a:extLst>
+          </a:blip>
           <a:stretch>
             <a:fillRect/>
           </a:stretch>
         </p:blipFill>
         <p:spPr>
           <a:xfrm>
-            <a:off x="8233296" y="4001294"/>
-            <a:ext cx="1866900" cy="2324100"/>
+            <a:off x="3887817" y="0"/>
+            <a:ext cx="8304183" cy="6858000"/>
           </a:xfrm>
           <a:prstGeom prst="rect">
             <a:avLst/>
@@ -4802,21 +5215,457 @@
       </p:pic>
       <p:pic>
         <p:nvPicPr>
-          <p:cNvPr id="6" name="Imagem 5"/>
+          <p:cNvPr id="4" name="Picture 2" descr="http://www.escoladegestao.pr.gov.br/arquivos/Image/2014/Logo_Parceiros_PR-Formar/UNICESUMAR/tn_600_580_unicesumar.JPG"/>
+          <p:cNvPicPr>
+            <a:picLocks noChangeAspect="1" noChangeArrowheads="1"/>
+          </p:cNvPicPr>
+          <p:nvPr/>
+        </p:nvPicPr>
+        <p:blipFill>
+          <a:blip r:embed="rId3" cstate="print">
+            <a:extLst>
+              <a:ext uri="{28A0092B-C50C-407E-A947-70E740481C1C}">
+                <a14:useLocalDpi xmlns:a14="http://schemas.microsoft.com/office/drawing/2010/main" val="0"/>
+              </a:ext>
+            </a:extLst>
+          </a:blip>
+          <a:srcRect/>
+          <a:stretch>
+            <a:fillRect/>
+          </a:stretch>
+        </p:blipFill>
+        <p:spPr bwMode="auto">
+          <a:xfrm>
+            <a:off x="315367" y="365125"/>
+            <a:ext cx="1850646" cy="906817"/>
+          </a:xfrm>
+          <a:prstGeom prst="rect">
+            <a:avLst/>
+          </a:prstGeom>
+          <a:noFill/>
+          <a:extLst>
+            <a:ext uri="{909E8E84-426E-40DD-AFC4-6F175D3DCCD1}">
+              <a14:hiddenFill xmlns:a14="http://schemas.microsoft.com/office/drawing/2010/main">
+                <a:solidFill>
+                  <a:srgbClr val="FFFFFF"/>
+                </a:solidFill>
+              </a14:hiddenFill>
+            </a:ext>
+          </a:extLst>
+        </p:spPr>
+      </p:pic>
+    </p:spTree>
+    <p:extLst>
+      <p:ext uri="{BB962C8B-B14F-4D97-AF65-F5344CB8AC3E}">
+        <p14:creationId xmlns:p14="http://schemas.microsoft.com/office/powerpoint/2010/main" val="1361339695"/>
+      </p:ext>
+    </p:extLst>
+  </p:cSld>
+  <p:clrMapOvr>
+    <a:masterClrMapping/>
+  </p:clrMapOvr>
+</p:sld>
+</file>
+
+<file path=ppt/slides/slide7.xml><?xml version="1.0" encoding="utf-8"?>
+<p:sld xmlns:a="http://schemas.openxmlformats.org/drawingml/2006/main" xmlns:r="http://schemas.openxmlformats.org/officeDocument/2006/relationships" xmlns:p="http://schemas.openxmlformats.org/presentationml/2006/main">
+  <p:cSld>
+    <p:spTree>
+      <p:nvGrpSpPr>
+        <p:cNvPr id="1" name=""/>
+        <p:cNvGrpSpPr/>
+        <p:nvPr/>
+      </p:nvGrpSpPr>
+      <p:grpSpPr>
+        <a:xfrm>
+          <a:off x="0" y="0"/>
+          <a:ext cx="0" cy="0"/>
+          <a:chOff x="0" y="0"/>
+          <a:chExt cx="0" cy="0"/>
+        </a:xfrm>
+      </p:grpSpPr>
+      <p:sp>
+        <p:nvSpPr>
+          <p:cNvPr id="2" name="Título 1"/>
+          <p:cNvSpPr>
+            <a:spLocks noGrp="1"/>
+          </p:cNvSpPr>
+          <p:nvPr>
+            <p:ph type="title"/>
+          </p:nvPr>
+        </p:nvSpPr>
+        <p:spPr/>
+        <p:txBody>
+          <a:bodyPr/>
+          <a:lstStyle/>
+          <a:p>
+            <a:r>
+              <a:rPr lang="pt-BR" dirty="0"/>
+              <a:t>Nomes de Casos de Uso</a:t>
+            </a:r>
+          </a:p>
+        </p:txBody>
+      </p:sp>
+      <p:sp>
+        <p:nvSpPr>
+          <p:cNvPr id="3" name="Espaço Reservado para Conteúdo 2"/>
+          <p:cNvSpPr>
+            <a:spLocks noGrp="1"/>
+          </p:cNvSpPr>
+          <p:nvPr>
+            <p:ph idx="1"/>
+          </p:nvPr>
+        </p:nvSpPr>
+        <p:spPr/>
+        <p:txBody>
+          <a:bodyPr/>
+          <a:lstStyle/>
+          <a:p>
+            <a:pPr marL="0" indent="0">
+              <a:buNone/>
+            </a:pPr>
+            <a:r>
+              <a:rPr lang="pt-BR" dirty="0"/>
+              <a:t>Os nomes de casos de uso são breves expressões verbais ativas, nomeando algum comportamento ou funcionalidade do sistema.</a:t>
+            </a:r>
+          </a:p>
+        </p:txBody>
+      </p:sp>
+      <p:sp>
+        <p:nvSpPr>
+          <p:cNvPr id="4" name="Elipse 3"/>
+          <p:cNvSpPr/>
+          <p:nvPr/>
+        </p:nvSpPr>
+        <p:spPr>
+          <a:xfrm>
+            <a:off x="1828800" y="3573194"/>
+            <a:ext cx="2082018" cy="1097280"/>
+          </a:xfrm>
+          <a:prstGeom prst="ellipse">
+            <a:avLst/>
+          </a:prstGeom>
+          <a:ln>
+            <a:solidFill>
+              <a:schemeClr val="tx1"/>
+            </a:solidFill>
+          </a:ln>
+        </p:spPr>
+        <p:style>
+          <a:lnRef idx="2">
+            <a:schemeClr val="accent6"/>
+          </a:lnRef>
+          <a:fillRef idx="1">
+            <a:schemeClr val="lt1"/>
+          </a:fillRef>
+          <a:effectRef idx="0">
+            <a:schemeClr val="accent6"/>
+          </a:effectRef>
+          <a:fontRef idx="minor">
+            <a:schemeClr val="dk1"/>
+          </a:fontRef>
+        </p:style>
+        <p:txBody>
+          <a:bodyPr rtlCol="0" anchor="ctr"/>
+          <a:lstStyle/>
+          <a:p>
+            <a:pPr algn="ctr"/>
+            <a:r>
+              <a:rPr lang="pt-BR" dirty="0"/>
+              <a:t>Fazer Pedido</a:t>
+            </a:r>
+          </a:p>
+        </p:txBody>
+      </p:sp>
+      <p:sp>
+        <p:nvSpPr>
+          <p:cNvPr id="5" name="Elipse 4"/>
+          <p:cNvSpPr/>
+          <p:nvPr/>
+        </p:nvSpPr>
+        <p:spPr>
+          <a:xfrm>
+            <a:off x="5174566" y="3024554"/>
+            <a:ext cx="2082018" cy="1097280"/>
+          </a:xfrm>
+          <a:prstGeom prst="ellipse">
+            <a:avLst/>
+          </a:prstGeom>
+          <a:ln>
+            <a:solidFill>
+              <a:schemeClr val="tx1"/>
+            </a:solidFill>
+          </a:ln>
+        </p:spPr>
+        <p:style>
+          <a:lnRef idx="2">
+            <a:schemeClr val="accent6"/>
+          </a:lnRef>
+          <a:fillRef idx="1">
+            <a:schemeClr val="lt1"/>
+          </a:fillRef>
+          <a:effectRef idx="0">
+            <a:schemeClr val="accent6"/>
+          </a:effectRef>
+          <a:fontRef idx="minor">
+            <a:schemeClr val="dk1"/>
+          </a:fontRef>
+        </p:style>
+        <p:txBody>
+          <a:bodyPr rtlCol="0" anchor="ctr"/>
+          <a:lstStyle/>
+          <a:p>
+            <a:pPr algn="ctr"/>
+            <a:r>
+              <a:rPr lang="pt-BR" dirty="0"/>
+              <a:t>Validar Usuário</a:t>
+            </a:r>
+          </a:p>
+        </p:txBody>
+      </p:sp>
+      <p:sp>
+        <p:nvSpPr>
+          <p:cNvPr id="6" name="Elipse 5"/>
+          <p:cNvSpPr/>
+          <p:nvPr/>
+        </p:nvSpPr>
+        <p:spPr>
+          <a:xfrm>
+            <a:off x="4625926" y="4977619"/>
+            <a:ext cx="2082018" cy="1097280"/>
+          </a:xfrm>
+          <a:prstGeom prst="ellipse">
+            <a:avLst/>
+          </a:prstGeom>
+          <a:ln>
+            <a:solidFill>
+              <a:schemeClr val="tx1"/>
+            </a:solidFill>
+          </a:ln>
+        </p:spPr>
+        <p:style>
+          <a:lnRef idx="2">
+            <a:schemeClr val="accent6"/>
+          </a:lnRef>
+          <a:fillRef idx="1">
+            <a:schemeClr val="lt1"/>
+          </a:fillRef>
+          <a:effectRef idx="0">
+            <a:schemeClr val="accent6"/>
+          </a:effectRef>
+          <a:fontRef idx="minor">
+            <a:schemeClr val="dk1"/>
+          </a:fontRef>
+        </p:style>
+        <p:txBody>
+          <a:bodyPr rtlCol="0" anchor="ctr"/>
+          <a:lstStyle/>
+          <a:p>
+            <a:pPr algn="ctr"/>
+            <a:r>
+              <a:rPr lang="pt-BR" dirty="0"/>
+              <a:t>Calibrar Sensor</a:t>
+            </a:r>
+          </a:p>
+        </p:txBody>
+      </p:sp>
+      <p:pic>
+        <p:nvPicPr>
+          <p:cNvPr id="7" name="Picture 2" descr="http://www.escoladegestao.pr.gov.br/arquivos/Image/2014/Logo_Parceiros_PR-Formar/UNICESUMAR/tn_600_580_unicesumar.JPG"/>
+          <p:cNvPicPr>
+            <a:picLocks noChangeAspect="1" noChangeArrowheads="1"/>
+          </p:cNvPicPr>
+          <p:nvPr/>
+        </p:nvPicPr>
+        <p:blipFill>
+          <a:blip r:embed="rId2" cstate="print">
+            <a:extLst>
+              <a:ext uri="{28A0092B-C50C-407E-A947-70E740481C1C}">
+                <a14:useLocalDpi xmlns:a14="http://schemas.microsoft.com/office/drawing/2010/main" val="0"/>
+              </a:ext>
+            </a:extLst>
+          </a:blip>
+          <a:srcRect/>
+          <a:stretch>
+            <a:fillRect/>
+          </a:stretch>
+        </p:blipFill>
+        <p:spPr bwMode="auto">
+          <a:xfrm>
+            <a:off x="9503154" y="574497"/>
+            <a:ext cx="1850646" cy="906817"/>
+          </a:xfrm>
+          <a:prstGeom prst="rect">
+            <a:avLst/>
+          </a:prstGeom>
+          <a:noFill/>
+          <a:extLst>
+            <a:ext uri="{909E8E84-426E-40DD-AFC4-6F175D3DCCD1}">
+              <a14:hiddenFill xmlns:a14="http://schemas.microsoft.com/office/drawing/2010/main">
+                <a:solidFill>
+                  <a:srgbClr val="FFFFFF"/>
+                </a:solidFill>
+              </a14:hiddenFill>
+            </a:ext>
+          </a:extLst>
+        </p:spPr>
+      </p:pic>
+    </p:spTree>
+    <p:extLst>
+      <p:ext uri="{BB962C8B-B14F-4D97-AF65-F5344CB8AC3E}">
+        <p14:creationId xmlns:p14="http://schemas.microsoft.com/office/powerpoint/2010/main" val="1393266462"/>
+      </p:ext>
+    </p:extLst>
+  </p:cSld>
+  <p:clrMapOvr>
+    <a:masterClrMapping/>
+  </p:clrMapOvr>
+</p:sld>
+</file>
+
+<file path=ppt/slides/slide8.xml><?xml version="1.0" encoding="utf-8"?>
+<p:sld xmlns:a="http://schemas.openxmlformats.org/drawingml/2006/main" xmlns:r="http://schemas.openxmlformats.org/officeDocument/2006/relationships" xmlns:p="http://schemas.openxmlformats.org/presentationml/2006/main">
+  <p:cSld>
+    <p:spTree>
+      <p:nvGrpSpPr>
+        <p:cNvPr id="1" name=""/>
+        <p:cNvGrpSpPr/>
+        <p:nvPr/>
+      </p:nvGrpSpPr>
+      <p:grpSpPr>
+        <a:xfrm>
+          <a:off x="0" y="0"/>
+          <a:ext cx="0" cy="0"/>
+          <a:chOff x="0" y="0"/>
+          <a:chExt cx="0" cy="0"/>
+        </a:xfrm>
+      </p:grpSpPr>
+      <p:sp>
+        <p:nvSpPr>
+          <p:cNvPr id="2" name="Título 1"/>
+          <p:cNvSpPr>
+            <a:spLocks noGrp="1"/>
+          </p:cNvSpPr>
+          <p:nvPr>
+            <p:ph type="title"/>
+          </p:nvPr>
+        </p:nvSpPr>
+        <p:spPr/>
+        <p:txBody>
+          <a:bodyPr/>
+          <a:lstStyle/>
+          <a:p>
+            <a:r>
+              <a:rPr lang="pt-BR" dirty="0"/>
+              <a:t>Inclusão x Extensão</a:t>
+            </a:r>
+          </a:p>
+        </p:txBody>
+      </p:sp>
+      <p:sp>
+        <p:nvSpPr>
+          <p:cNvPr id="3" name="Espaço Reservado para Conteúdo 2"/>
+          <p:cNvSpPr>
+            <a:spLocks noGrp="1"/>
+          </p:cNvSpPr>
+          <p:nvPr>
+            <p:ph idx="1"/>
+          </p:nvPr>
+        </p:nvSpPr>
+        <p:spPr>
+          <a:xfrm>
+            <a:off x="838200" y="1825625"/>
+            <a:ext cx="5740021" cy="4351338"/>
+          </a:xfrm>
+        </p:spPr>
+        <p:txBody>
+          <a:bodyPr>
+            <a:normAutofit fontScale="92500" lnSpcReduction="20000"/>
+          </a:bodyPr>
+          <a:lstStyle/>
+          <a:p>
+            <a:pPr marL="0" indent="0">
+              <a:buNone/>
+            </a:pPr>
+            <a:r>
+              <a:rPr lang="pt-BR" b="1" dirty="0">
+                <a:effectLst>
+                  <a:outerShdw blurRad="38100" dist="38100" dir="2700000" algn="tl">
+                    <a:srgbClr val="000000">
+                      <a:alpha val="43137"/>
+                    </a:srgbClr>
+                  </a:outerShdw>
+                </a:effectLst>
+              </a:rPr>
+              <a:t>Inclusão</a:t>
+            </a:r>
+          </a:p>
+          <a:p>
+            <a:r>
+              <a:rPr lang="pt-BR" dirty="0"/>
+              <a:t>O caso de uso X &lt;&lt;INCLUI&gt;&gt; as funcionalidades do caso de uso Y</a:t>
+            </a:r>
+          </a:p>
+          <a:p>
+            <a:r>
+              <a:rPr lang="pt-BR" dirty="0"/>
+              <a:t>O resultado de Y altera o comportamento de X</a:t>
+            </a:r>
+          </a:p>
+          <a:p>
+            <a:endParaRPr lang="pt-BR" dirty="0"/>
+          </a:p>
+          <a:p>
+            <a:endParaRPr lang="pt-BR" dirty="0"/>
+          </a:p>
+          <a:p>
+            <a:pPr marL="0" indent="0">
+              <a:buNone/>
+            </a:pPr>
+            <a:r>
+              <a:rPr lang="pt-BR" b="1" dirty="0">
+                <a:effectLst>
+                  <a:outerShdw blurRad="38100" dist="38100" dir="2700000" algn="tl">
+                    <a:srgbClr val="000000">
+                      <a:alpha val="43137"/>
+                    </a:srgbClr>
+                  </a:outerShdw>
+                </a:effectLst>
+              </a:rPr>
+              <a:t>Extensão</a:t>
+            </a:r>
+          </a:p>
+          <a:p>
+            <a:r>
+              <a:rPr lang="pt-BR" dirty="0"/>
+              <a:t>O caso de uso Y &lt;&lt;EXTENDE&gt;&gt; as funcionalidade do caso de uso X</a:t>
+            </a:r>
+          </a:p>
+          <a:p>
+            <a:r>
+              <a:rPr lang="pt-BR" dirty="0"/>
+              <a:t>O resultado de Y não altera o comportamento de X</a:t>
+            </a:r>
+          </a:p>
+        </p:txBody>
+      </p:sp>
+      <p:pic>
+        <p:nvPicPr>
+          <p:cNvPr id="5" name="Imagem 4"/>
           <p:cNvPicPr>
             <a:picLocks noChangeAspect="1"/>
           </p:cNvPicPr>
           <p:nvPr/>
         </p:nvPicPr>
         <p:blipFill>
-          <a:blip r:embed="rId3"/>
+          <a:blip r:embed="rId2"/>
           <a:stretch>
             <a:fillRect/>
           </a:stretch>
         </p:blipFill>
         <p:spPr>
           <a:xfrm>
-            <a:off x="8233296" y="1516323"/>
+            <a:off x="8233296" y="4001294"/>
             <a:ext cx="1866900" cy="2324100"/>
           </a:xfrm>
           <a:prstGeom prst="rect">
@@ -4854,85 +5703,6 @@
           </a:sp3d>
         </p:spPr>
       </p:pic>
-    </p:spTree>
-    <p:extLst>
-      <p:ext uri="{BB962C8B-B14F-4D97-AF65-F5344CB8AC3E}">
-        <p14:creationId xmlns:p14="http://schemas.microsoft.com/office/powerpoint/2010/main" val="3586936288"/>
-      </p:ext>
-    </p:extLst>
-  </p:cSld>
-  <p:clrMapOvr>
-    <a:masterClrMapping/>
-  </p:clrMapOvr>
-</p:sld>
-</file>
-
-<file path=ppt/slides/slide8.xml><?xml version="1.0" encoding="utf-8"?>
-<p:sld xmlns:a="http://schemas.openxmlformats.org/drawingml/2006/main" xmlns:r="http://schemas.openxmlformats.org/officeDocument/2006/relationships" xmlns:p="http://schemas.openxmlformats.org/presentationml/2006/main">
-  <p:cSld>
-    <p:spTree>
-      <p:nvGrpSpPr>
-        <p:cNvPr id="1" name=""/>
-        <p:cNvGrpSpPr/>
-        <p:nvPr/>
-      </p:nvGrpSpPr>
-      <p:grpSpPr>
-        <a:xfrm>
-          <a:off x="0" y="0"/>
-          <a:ext cx="0" cy="0"/>
-          <a:chOff x="0" y="0"/>
-          <a:chExt cx="0" cy="0"/>
-        </a:xfrm>
-      </p:grpSpPr>
-      <p:sp>
-        <p:nvSpPr>
-          <p:cNvPr id="2" name="Título 1"/>
-          <p:cNvSpPr>
-            <a:spLocks noGrp="1"/>
-          </p:cNvSpPr>
-          <p:nvPr>
-            <p:ph type="title"/>
-          </p:nvPr>
-        </p:nvSpPr>
-        <p:spPr/>
-        <p:txBody>
-          <a:bodyPr/>
-          <a:lstStyle/>
-          <a:p>
-            <a:r>
-              <a:rPr lang="pt-BR" dirty="0" smtClean="0"/>
-              <a:t>Pontos de Extensão</a:t>
-            </a:r>
-            <a:endParaRPr lang="pt-BR" dirty="0"/>
-          </a:p>
-        </p:txBody>
-      </p:sp>
-      <p:sp>
-        <p:nvSpPr>
-          <p:cNvPr id="5" name="Espaço Reservado para Conteúdo 4"/>
-          <p:cNvSpPr>
-            <a:spLocks noGrp="1"/>
-          </p:cNvSpPr>
-          <p:nvPr>
-            <p:ph idx="1"/>
-          </p:nvPr>
-        </p:nvSpPr>
-        <p:spPr/>
-        <p:txBody>
-          <a:bodyPr/>
-          <a:lstStyle/>
-          <a:p>
-            <a:pPr marL="0" indent="0">
-              <a:buNone/>
-            </a:pPr>
-            <a:r>
-              <a:rPr lang="pt-BR" dirty="0" smtClean="0"/>
-              <a:t>Um ponto de extensão identifica um ponto no comportamento de um caso de uso do qual esse comportamento poderá ser estendido pelo comportamento de outro caso de uso, se a condição para que isso ocorra for satisfeita.</a:t>
-            </a:r>
-            <a:endParaRPr lang="pt-BR" dirty="0"/>
-          </a:p>
-        </p:txBody>
-      </p:sp>
       <p:pic>
         <p:nvPicPr>
           <p:cNvPr id="6" name="Imagem 5"/>
@@ -4942,94 +5712,15 @@
           <p:nvPr/>
         </p:nvPicPr>
         <p:blipFill>
-          <a:blip r:embed="rId2"/>
+          <a:blip r:embed="rId3"/>
           <a:stretch>
             <a:fillRect/>
           </a:stretch>
         </p:blipFill>
         <p:spPr>
           <a:xfrm>
-            <a:off x="4580626" y="3085460"/>
-            <a:ext cx="6307871" cy="3226440"/>
-          </a:xfrm>
-          <a:prstGeom prst="rect">
-            <a:avLst/>
-          </a:prstGeom>
-        </p:spPr>
-      </p:pic>
-    </p:spTree>
-    <p:extLst>
-      <p:ext uri="{BB962C8B-B14F-4D97-AF65-F5344CB8AC3E}">
-        <p14:creationId xmlns:p14="http://schemas.microsoft.com/office/powerpoint/2010/main" val="925936888"/>
-      </p:ext>
-    </p:extLst>
-  </p:cSld>
-  <p:clrMapOvr>
-    <a:masterClrMapping/>
-  </p:clrMapOvr>
-</p:sld>
-</file>
-
-<file path=ppt/slides/slide9.xml><?xml version="1.0" encoding="utf-8"?>
-<p:sld xmlns:a="http://schemas.openxmlformats.org/drawingml/2006/main" xmlns:r="http://schemas.openxmlformats.org/officeDocument/2006/relationships" xmlns:p="http://schemas.openxmlformats.org/presentationml/2006/main">
-  <p:cSld>
-    <p:spTree>
-      <p:nvGrpSpPr>
-        <p:cNvPr id="1" name=""/>
-        <p:cNvGrpSpPr/>
-        <p:nvPr/>
-      </p:nvGrpSpPr>
-      <p:grpSpPr>
-        <a:xfrm>
-          <a:off x="0" y="0"/>
-          <a:ext cx="0" cy="0"/>
-          <a:chOff x="0" y="0"/>
-          <a:chExt cx="0" cy="0"/>
-        </a:xfrm>
-      </p:grpSpPr>
-      <p:sp>
-        <p:nvSpPr>
-          <p:cNvPr id="2" name="Título 1"/>
-          <p:cNvSpPr>
-            <a:spLocks noGrp="1"/>
-          </p:cNvSpPr>
-          <p:nvPr>
-            <p:ph type="title"/>
-          </p:nvPr>
-        </p:nvSpPr>
-        <p:spPr/>
-        <p:txBody>
-          <a:bodyPr/>
-          <a:lstStyle/>
-          <a:p>
-            <a:r>
-              <a:rPr lang="pt-BR" dirty="0" smtClean="0"/>
-              <a:t>Pontos de Extensão</a:t>
-            </a:r>
-            <a:endParaRPr lang="pt-BR" dirty="0"/>
-          </a:p>
-        </p:txBody>
-      </p:sp>
-      <p:pic>
-        <p:nvPicPr>
-          <p:cNvPr id="4" name="Espaço Reservado para Conteúdo 3"/>
-          <p:cNvPicPr>
-            <a:picLocks noGrp="1" noChangeAspect="1"/>
-          </p:cNvPicPr>
-          <p:nvPr>
-            <p:ph idx="1"/>
-          </p:nvPr>
-        </p:nvPicPr>
-        <p:blipFill>
-          <a:blip r:embed="rId2"/>
-          <a:stretch>
-            <a:fillRect/>
-          </a:stretch>
-        </p:blipFill>
-        <p:spPr>
-          <a:xfrm>
-            <a:off x="1731642" y="1433015"/>
-            <a:ext cx="8845373" cy="5205206"/>
+            <a:off x="8233296" y="1516323"/>
+            <a:ext cx="1866900" cy="2324100"/>
           </a:xfrm>
           <a:prstGeom prst="rect">
             <a:avLst/>
@@ -5066,10 +5757,193 @@
           </a:sp3d>
         </p:spPr>
       </p:pic>
+      <p:pic>
+        <p:nvPicPr>
+          <p:cNvPr id="7" name="Picture 2" descr="http://www.escoladegestao.pr.gov.br/arquivos/Image/2014/Logo_Parceiros_PR-Formar/UNICESUMAR/tn_600_580_unicesumar.JPG"/>
+          <p:cNvPicPr>
+            <a:picLocks noChangeAspect="1" noChangeArrowheads="1"/>
+          </p:cNvPicPr>
+          <p:nvPr/>
+        </p:nvPicPr>
+        <p:blipFill>
+          <a:blip r:embed="rId4" cstate="print">
+            <a:extLst>
+              <a:ext uri="{28A0092B-C50C-407E-A947-70E740481C1C}">
+                <a14:useLocalDpi xmlns:a14="http://schemas.microsoft.com/office/drawing/2010/main" val="0"/>
+              </a:ext>
+            </a:extLst>
+          </a:blip>
+          <a:srcRect/>
+          <a:stretch>
+            <a:fillRect/>
+          </a:stretch>
+        </p:blipFill>
+        <p:spPr bwMode="auto">
+          <a:xfrm>
+            <a:off x="9503154" y="574497"/>
+            <a:ext cx="1850646" cy="906817"/>
+          </a:xfrm>
+          <a:prstGeom prst="rect">
+            <a:avLst/>
+          </a:prstGeom>
+          <a:noFill/>
+          <a:extLst>
+            <a:ext uri="{909E8E84-426E-40DD-AFC4-6F175D3DCCD1}">
+              <a14:hiddenFill xmlns:a14="http://schemas.microsoft.com/office/drawing/2010/main">
+                <a:solidFill>
+                  <a:srgbClr val="FFFFFF"/>
+                </a:solidFill>
+              </a14:hiddenFill>
+            </a:ext>
+          </a:extLst>
+        </p:spPr>
+      </p:pic>
     </p:spTree>
     <p:extLst>
       <p:ext uri="{BB962C8B-B14F-4D97-AF65-F5344CB8AC3E}">
-        <p14:creationId xmlns:p14="http://schemas.microsoft.com/office/powerpoint/2010/main" val="2114365301"/>
+        <p14:creationId xmlns:p14="http://schemas.microsoft.com/office/powerpoint/2010/main" val="3586936288"/>
+      </p:ext>
+    </p:extLst>
+  </p:cSld>
+  <p:clrMapOvr>
+    <a:masterClrMapping/>
+  </p:clrMapOvr>
+</p:sld>
+</file>
+
+<file path=ppt/slides/slide9.xml><?xml version="1.0" encoding="utf-8"?>
+<p:sld xmlns:a="http://schemas.openxmlformats.org/drawingml/2006/main" xmlns:r="http://schemas.openxmlformats.org/officeDocument/2006/relationships" xmlns:p="http://schemas.openxmlformats.org/presentationml/2006/main">
+  <p:cSld>
+    <p:spTree>
+      <p:nvGrpSpPr>
+        <p:cNvPr id="1" name=""/>
+        <p:cNvGrpSpPr/>
+        <p:nvPr/>
+      </p:nvGrpSpPr>
+      <p:grpSpPr>
+        <a:xfrm>
+          <a:off x="0" y="0"/>
+          <a:ext cx="0" cy="0"/>
+          <a:chOff x="0" y="0"/>
+          <a:chExt cx="0" cy="0"/>
+        </a:xfrm>
+      </p:grpSpPr>
+      <p:sp>
+        <p:nvSpPr>
+          <p:cNvPr id="2" name="Título 1"/>
+          <p:cNvSpPr>
+            <a:spLocks noGrp="1"/>
+          </p:cNvSpPr>
+          <p:nvPr>
+            <p:ph type="title"/>
+          </p:nvPr>
+        </p:nvSpPr>
+        <p:spPr/>
+        <p:txBody>
+          <a:bodyPr/>
+          <a:lstStyle/>
+          <a:p>
+            <a:r>
+              <a:rPr lang="pt-BR" dirty="0"/>
+              <a:t>Pontos de Extensão</a:t>
+            </a:r>
+          </a:p>
+        </p:txBody>
+      </p:sp>
+      <p:sp>
+        <p:nvSpPr>
+          <p:cNvPr id="5" name="Espaço Reservado para Conteúdo 4"/>
+          <p:cNvSpPr>
+            <a:spLocks noGrp="1"/>
+          </p:cNvSpPr>
+          <p:nvPr>
+            <p:ph idx="1"/>
+          </p:nvPr>
+        </p:nvSpPr>
+        <p:spPr/>
+        <p:txBody>
+          <a:bodyPr/>
+          <a:lstStyle/>
+          <a:p>
+            <a:pPr marL="0" indent="0">
+              <a:buNone/>
+            </a:pPr>
+            <a:r>
+              <a:rPr lang="pt-BR" dirty="0"/>
+              <a:t>Um ponto de extensão identifica um ponto no comportamento de um caso de uso do qual esse comportamento poderá ser estendido pelo comportamento de outro caso de uso, se a condição para que isso ocorra for satisfeita.</a:t>
+            </a:r>
+          </a:p>
+        </p:txBody>
+      </p:sp>
+      <p:pic>
+        <p:nvPicPr>
+          <p:cNvPr id="6" name="Imagem 5"/>
+          <p:cNvPicPr>
+            <a:picLocks noChangeAspect="1"/>
+          </p:cNvPicPr>
+          <p:nvPr/>
+        </p:nvPicPr>
+        <p:blipFill>
+          <a:blip r:embed="rId2"/>
+          <a:stretch>
+            <a:fillRect/>
+          </a:stretch>
+        </p:blipFill>
+        <p:spPr>
+          <a:xfrm>
+            <a:off x="4580626" y="3085460"/>
+            <a:ext cx="6307871" cy="3226440"/>
+          </a:xfrm>
+          <a:prstGeom prst="rect">
+            <a:avLst/>
+          </a:prstGeom>
+        </p:spPr>
+      </p:pic>
+      <p:pic>
+        <p:nvPicPr>
+          <p:cNvPr id="7" name="Picture 2" descr="http://www.escoladegestao.pr.gov.br/arquivos/Image/2014/Logo_Parceiros_PR-Formar/UNICESUMAR/tn_600_580_unicesumar.JPG"/>
+          <p:cNvPicPr>
+            <a:picLocks noChangeAspect="1" noChangeArrowheads="1"/>
+          </p:cNvPicPr>
+          <p:nvPr/>
+        </p:nvPicPr>
+        <p:blipFill>
+          <a:blip r:embed="rId3" cstate="print">
+            <a:extLst>
+              <a:ext uri="{28A0092B-C50C-407E-A947-70E740481C1C}">
+                <a14:useLocalDpi xmlns:a14="http://schemas.microsoft.com/office/drawing/2010/main" val="0"/>
+              </a:ext>
+            </a:extLst>
+          </a:blip>
+          <a:srcRect/>
+          <a:stretch>
+            <a:fillRect/>
+          </a:stretch>
+        </p:blipFill>
+        <p:spPr bwMode="auto">
+          <a:xfrm>
+            <a:off x="9503154" y="574497"/>
+            <a:ext cx="1850646" cy="906817"/>
+          </a:xfrm>
+          <a:prstGeom prst="rect">
+            <a:avLst/>
+          </a:prstGeom>
+          <a:noFill/>
+          <a:extLst>
+            <a:ext uri="{909E8E84-426E-40DD-AFC4-6F175D3DCCD1}">
+              <a14:hiddenFill xmlns:a14="http://schemas.microsoft.com/office/drawing/2010/main">
+                <a:solidFill>
+                  <a:srgbClr val="FFFFFF"/>
+                </a:solidFill>
+              </a14:hiddenFill>
+            </a:ext>
+          </a:extLst>
+        </p:spPr>
+      </p:pic>
+    </p:spTree>
+    <p:extLst>
+      <p:ext uri="{BB962C8B-B14F-4D97-AF65-F5344CB8AC3E}">
+        <p14:creationId xmlns:p14="http://schemas.microsoft.com/office/powerpoint/2010/main" val="925936888"/>
       </p:ext>
     </p:extLst>
   </p:cSld>
